--- a/TestAutomation/reports/Team 6 Final Presentation.pptx
+++ b/TestAutomation/reports/Team 6 Final Presentation.pptx
@@ -22,21 +22,25 @@
     <p:sldId id="267" r:id="rId17"/>
     <p:sldId id="268" r:id="rId18"/>
     <p:sldId id="269" r:id="rId19"/>
+    <p:sldId id="270" r:id="rId20"/>
+    <p:sldId id="271" r:id="rId21"/>
+    <p:sldId id="272" r:id="rId22"/>
+    <p:sldId id="273" r:id="rId23"/>
   </p:sldIdLst>
   <p:sldSz cy="5143500" cx="9144000"/>
   <p:notesSz cx="6858000" cy="9144000"/>
   <p:embeddedFontLst>
     <p:embeddedFont>
       <p:font typeface="Roboto Slab"/>
-      <p:regular r:id="rId20"/>
-      <p:bold r:id="rId21"/>
+      <p:regular r:id="rId24"/>
+      <p:bold r:id="rId25"/>
     </p:embeddedFont>
     <p:embeddedFont>
       <p:font typeface="Roboto"/>
-      <p:regular r:id="rId22"/>
-      <p:bold r:id="rId23"/>
-      <p:italic r:id="rId24"/>
-      <p:boldItalic r:id="rId25"/>
+      <p:regular r:id="rId26"/>
+      <p:bold r:id="rId27"/>
+      <p:italic r:id="rId28"/>
+      <p:boldItalic r:id="rId29"/>
     </p:embeddedFont>
   </p:embeddedFontLst>
   <p:defaultTextStyle>
@@ -255,11 +259,29 @@
 
 <file path=ppt/commentAuthors.xml><?xml version="1.0" encoding="utf-8"?>
 <p:cmAuthorLst xmlns:a="http://schemas.openxmlformats.org/drawingml/2006/main" xmlns:r="http://schemas.openxmlformats.org/officeDocument/2006/relationships" xmlns:mc="http://schemas.openxmlformats.org/markup-compatibility/2006" xmlns:mv="urn:schemas-microsoft-com:mac:vml" xmlns:p="http://schemas.openxmlformats.org/presentationml/2006/main" xmlns:c="http://schemas.openxmlformats.org/drawingml/2006/chart" xmlns:dgm="http://schemas.openxmlformats.org/drawingml/2006/diagram" xmlns:o="urn:schemas-microsoft-com:office:office" xmlns:v="urn:schemas-microsoft-com:vml" xmlns:pvml="urn:schemas-microsoft-com:office:powerpoint" xmlns:com="http://schemas.openxmlformats.org/drawingml/2006/compatibility" xmlns:p14="http://schemas.microsoft.com/office/powerpoint/2010/main">
-  <p:cmAuthor clrIdx="0" id="0" initials="" lastIdx="6" name="MH Johnson"/>
+  <p:cmAuthor clrIdx="0" id="0" initials="" lastIdx="8" name="MH Johnson"/>
 </p:cmAuthorLst>
 </file>
 
 <file path=ppt/comments/comment1.xml><?xml version="1.0" encoding="utf-8"?>
+<p:cmLst xmlns:a="http://schemas.openxmlformats.org/drawingml/2006/main" xmlns:r="http://schemas.openxmlformats.org/officeDocument/2006/relationships" xmlns:mc="http://schemas.openxmlformats.org/markup-compatibility/2006" xmlns:mv="urn:schemas-microsoft-com:mac:vml" xmlns:p="http://schemas.openxmlformats.org/presentationml/2006/main" xmlns:c="http://schemas.openxmlformats.org/drawingml/2006/chart" xmlns:dgm="http://schemas.openxmlformats.org/drawingml/2006/diagram" xmlns:o="urn:schemas-microsoft-com:office:office" xmlns:v="urn:schemas-microsoft-com:vml" xmlns:pvml="urn:schemas-microsoft-com:office:powerpoint" xmlns:com="http://schemas.openxmlformats.org/drawingml/2006/compatibility" xmlns:p14="http://schemas.microsoft.com/office/powerpoint/2010/main">
+  <p:cm authorId="0" idx="8">
+    <p:pos x="6000" y="0"/>
+    <p:text>MH</p:text>
+  </p:cm>
+</p:cmLst>
+</file>
+
+<file path=ppt/comments/comment2.xml><?xml version="1.0" encoding="utf-8"?>
+<p:cmLst xmlns:a="http://schemas.openxmlformats.org/drawingml/2006/main" xmlns:r="http://schemas.openxmlformats.org/officeDocument/2006/relationships" xmlns:mc="http://schemas.openxmlformats.org/markup-compatibility/2006" xmlns:mv="urn:schemas-microsoft-com:mac:vml" xmlns:p="http://schemas.openxmlformats.org/presentationml/2006/main" xmlns:c="http://schemas.openxmlformats.org/drawingml/2006/chart" xmlns:dgm="http://schemas.openxmlformats.org/drawingml/2006/diagram" xmlns:o="urn:schemas-microsoft-com:office:office" xmlns:v="urn:schemas-microsoft-com:vml" xmlns:pvml="urn:schemas-microsoft-com:office:powerpoint" xmlns:com="http://schemas.openxmlformats.org/drawingml/2006/compatibility" xmlns:p14="http://schemas.microsoft.com/office/powerpoint/2010/main">
+  <p:cm authorId="0" idx="7">
+    <p:pos x="6000" y="0"/>
+    <p:text>MH</p:text>
+  </p:cm>
+</p:cmLst>
+</file>
+
+<file path=ppt/comments/comment3.xml><?xml version="1.0" encoding="utf-8"?>
 <p:cmLst xmlns:a="http://schemas.openxmlformats.org/drawingml/2006/main" xmlns:r="http://schemas.openxmlformats.org/officeDocument/2006/relationships" xmlns:mc="http://schemas.openxmlformats.org/markup-compatibility/2006" xmlns:mv="urn:schemas-microsoft-com:mac:vml" xmlns:p="http://schemas.openxmlformats.org/presentationml/2006/main" xmlns:c="http://schemas.openxmlformats.org/drawingml/2006/chart" xmlns:dgm="http://schemas.openxmlformats.org/drawingml/2006/diagram" xmlns:o="urn:schemas-microsoft-com:office:office" xmlns:v="urn:schemas-microsoft-com:vml" xmlns:pvml="urn:schemas-microsoft-com:office:powerpoint" xmlns:com="http://schemas.openxmlformats.org/drawingml/2006/compatibility" xmlns:p14="http://schemas.microsoft.com/office/powerpoint/2010/main">
   <p:cm authorId="0" idx="6">
     <p:pos x="6000" y="0"/>
@@ -268,27 +290,9 @@
 </p:cmLst>
 </file>
 
-<file path=ppt/comments/comment2.xml><?xml version="1.0" encoding="utf-8"?>
+<file path=ppt/comments/comment4.xml><?xml version="1.0" encoding="utf-8"?>
 <p:cmLst xmlns:a="http://schemas.openxmlformats.org/drawingml/2006/main" xmlns:r="http://schemas.openxmlformats.org/officeDocument/2006/relationships" xmlns:mc="http://schemas.openxmlformats.org/markup-compatibility/2006" xmlns:mv="urn:schemas-microsoft-com:mac:vml" xmlns:p="http://schemas.openxmlformats.org/presentationml/2006/main" xmlns:c="http://schemas.openxmlformats.org/drawingml/2006/chart" xmlns:dgm="http://schemas.openxmlformats.org/drawingml/2006/diagram" xmlns:o="urn:schemas-microsoft-com:office:office" xmlns:v="urn:schemas-microsoft-com:vml" xmlns:pvml="urn:schemas-microsoft-com:office:powerpoint" xmlns:com="http://schemas.openxmlformats.org/drawingml/2006/compatibility" xmlns:p14="http://schemas.microsoft.com/office/powerpoint/2010/main">
   <p:cm authorId="0" idx="5">
-    <p:pos x="6000" y="0"/>
-    <p:text>MH</p:text>
-  </p:cm>
-</p:cmLst>
-</file>
-
-<file path=ppt/comments/comment3.xml><?xml version="1.0" encoding="utf-8"?>
-<p:cmLst xmlns:a="http://schemas.openxmlformats.org/drawingml/2006/main" xmlns:r="http://schemas.openxmlformats.org/officeDocument/2006/relationships" xmlns:mc="http://schemas.openxmlformats.org/markup-compatibility/2006" xmlns:mv="urn:schemas-microsoft-com:mac:vml" xmlns:p="http://schemas.openxmlformats.org/presentationml/2006/main" xmlns:c="http://schemas.openxmlformats.org/drawingml/2006/chart" xmlns:dgm="http://schemas.openxmlformats.org/drawingml/2006/diagram" xmlns:o="urn:schemas-microsoft-com:office:office" xmlns:v="urn:schemas-microsoft-com:vml" xmlns:pvml="urn:schemas-microsoft-com:office:powerpoint" xmlns:com="http://schemas.openxmlformats.org/drawingml/2006/compatibility" xmlns:p14="http://schemas.microsoft.com/office/powerpoint/2010/main">
-  <p:cm authorId="0" idx="4">
-    <p:pos x="6000" y="0"/>
-    <p:text>MH</p:text>
-  </p:cm>
-</p:cmLst>
-</file>
-
-<file path=ppt/comments/comment4.xml><?xml version="1.0" encoding="utf-8"?>
-<p:cmLst xmlns:a="http://schemas.openxmlformats.org/drawingml/2006/main" xmlns:r="http://schemas.openxmlformats.org/officeDocument/2006/relationships" xmlns:mc="http://schemas.openxmlformats.org/markup-compatibility/2006" xmlns:mv="urn:schemas-microsoft-com:mac:vml" xmlns:p="http://schemas.openxmlformats.org/presentationml/2006/main" xmlns:c="http://schemas.openxmlformats.org/drawingml/2006/chart" xmlns:dgm="http://schemas.openxmlformats.org/drawingml/2006/diagram" xmlns:o="urn:schemas-microsoft-com:office:office" xmlns:v="urn:schemas-microsoft-com:vml" xmlns:pvml="urn:schemas-microsoft-com:office:powerpoint" xmlns:com="http://schemas.openxmlformats.org/drawingml/2006/compatibility" xmlns:p14="http://schemas.microsoft.com/office/powerpoint/2010/main">
-  <p:cm authorId="0" idx="3">
     <p:pos x="6000" y="0"/>
     <p:text>MH</p:text>
   </p:cm>
@@ -307,6 +311,24 @@
 <file path=ppt/comments/comment6.xml><?xml version="1.0" encoding="utf-8"?>
 <p:cmLst xmlns:a="http://schemas.openxmlformats.org/drawingml/2006/main" xmlns:r="http://schemas.openxmlformats.org/officeDocument/2006/relationships" xmlns:mc="http://schemas.openxmlformats.org/markup-compatibility/2006" xmlns:mv="urn:schemas-microsoft-com:mac:vml" xmlns:p="http://schemas.openxmlformats.org/presentationml/2006/main" xmlns:c="http://schemas.openxmlformats.org/drawingml/2006/chart" xmlns:dgm="http://schemas.openxmlformats.org/drawingml/2006/diagram" xmlns:o="urn:schemas-microsoft-com:office:office" xmlns:v="urn:schemas-microsoft-com:vml" xmlns:pvml="urn:schemas-microsoft-com:office:powerpoint" xmlns:com="http://schemas.openxmlformats.org/drawingml/2006/compatibility" xmlns:p14="http://schemas.microsoft.com/office/powerpoint/2010/main">
   <p:cm authorId="0" idx="1">
+    <p:pos x="6000" y="0"/>
+    <p:text>MH</p:text>
+  </p:cm>
+</p:cmLst>
+</file>
+
+<file path=ppt/comments/comment7.xml><?xml version="1.0" encoding="utf-8"?>
+<p:cmLst xmlns:a="http://schemas.openxmlformats.org/drawingml/2006/main" xmlns:r="http://schemas.openxmlformats.org/officeDocument/2006/relationships" xmlns:mc="http://schemas.openxmlformats.org/markup-compatibility/2006" xmlns:mv="urn:schemas-microsoft-com:mac:vml" xmlns:p="http://schemas.openxmlformats.org/presentationml/2006/main" xmlns:c="http://schemas.openxmlformats.org/drawingml/2006/chart" xmlns:dgm="http://schemas.openxmlformats.org/drawingml/2006/diagram" xmlns:o="urn:schemas-microsoft-com:office:office" xmlns:v="urn:schemas-microsoft-com:vml" xmlns:pvml="urn:schemas-microsoft-com:office:powerpoint" xmlns:com="http://schemas.openxmlformats.org/drawingml/2006/compatibility" xmlns:p14="http://schemas.microsoft.com/office/powerpoint/2010/main">
+  <p:cm authorId="0" idx="4">
+    <p:pos x="6000" y="0"/>
+    <p:text>MH</p:text>
+  </p:cm>
+</p:cmLst>
+</file>
+
+<file path=ppt/comments/comment8.xml><?xml version="1.0" encoding="utf-8"?>
+<p:cmLst xmlns:a="http://schemas.openxmlformats.org/drawingml/2006/main" xmlns:r="http://schemas.openxmlformats.org/officeDocument/2006/relationships" xmlns:mc="http://schemas.openxmlformats.org/markup-compatibility/2006" xmlns:mv="urn:schemas-microsoft-com:mac:vml" xmlns:p="http://schemas.openxmlformats.org/presentationml/2006/main" xmlns:c="http://schemas.openxmlformats.org/drawingml/2006/chart" xmlns:dgm="http://schemas.openxmlformats.org/drawingml/2006/diagram" xmlns:o="urn:schemas-microsoft-com:office:office" xmlns:v="urn:schemas-microsoft-com:vml" xmlns:pvml="urn:schemas-microsoft-com:office:powerpoint" xmlns:com="http://schemas.openxmlformats.org/drawingml/2006/compatibility" xmlns:p14="http://schemas.microsoft.com/office/powerpoint/2010/main">
+  <p:cm authorId="0" idx="3">
     <p:pos x="6000" y="0"/>
     <p:text>MH</p:text>
   </p:cm>
@@ -572,7 +594,7 @@
   <p:cSld>
     <p:spTree>
       <p:nvGrpSpPr>
-        <p:cNvPr id="116" name="Shape 116"/>
+        <p:cNvPr id="117" name="Shape 117"/>
         <p:cNvGrpSpPr/>
         <p:nvPr/>
       </p:nvGrpSpPr>
@@ -586,7 +608,7 @@
       </p:grpSpPr>
       <p:sp>
         <p:nvSpPr>
-          <p:cNvPr id="117" name="Shape 117"/>
+          <p:cNvPr id="118" name="Shape 118"/>
           <p:cNvSpPr/>
           <p:nvPr>
             <p:ph idx="2" type="sldImg"/>
@@ -630,7 +652,7 @@
       </p:sp>
       <p:sp>
         <p:nvSpPr>
-          <p:cNvPr id="118" name="Shape 118"/>
+          <p:cNvPr id="119" name="Shape 119"/>
           <p:cNvSpPr txBox="1"/>
           <p:nvPr>
             <p:ph idx="1" type="body"/>
@@ -658,9 +680,9 @@
               <a:buNone/>
             </a:pPr>
             <a:r>
-              <a:rPr lang="en"/>
-              <a:t>ii. we eventually settled on testing python libraries, because their functionality was very clearly established AND standalone. Since the creation of these libraries, a lot of the functionality has been built into default python, but it is still important to test because code written long ago still uses these methods.</a:t>
-            </a:r>
+              <a:t/>
+            </a:r>
+            <a:endParaRPr/>
           </a:p>
         </p:txBody>
       </p:sp>
@@ -677,7 +699,7 @@
   <p:cSld>
     <p:spTree>
       <p:nvGrpSpPr>
-        <p:cNvPr id="122" name="Shape 122"/>
+        <p:cNvPr id="124" name="Shape 124"/>
         <p:cNvGrpSpPr/>
         <p:nvPr/>
       </p:nvGrpSpPr>
@@ -691,7 +713,7 @@
       </p:grpSpPr>
       <p:sp>
         <p:nvSpPr>
-          <p:cNvPr id="123" name="Shape 123"/>
+          <p:cNvPr id="125" name="Shape 125"/>
           <p:cNvSpPr/>
           <p:nvPr>
             <p:ph idx="2" type="sldImg"/>
@@ -735,7 +757,7 @@
       </p:sp>
       <p:sp>
         <p:nvSpPr>
-          <p:cNvPr id="124" name="Shape 124"/>
+          <p:cNvPr id="126" name="Shape 126"/>
           <p:cNvSpPr txBox="1"/>
           <p:nvPr>
             <p:ph idx="1" type="body"/>
@@ -782,7 +804,7 @@
   <p:cSld>
     <p:spTree>
       <p:nvGrpSpPr>
-        <p:cNvPr id="128" name="Shape 128"/>
+        <p:cNvPr id="133" name="Shape 133"/>
         <p:cNvGrpSpPr/>
         <p:nvPr/>
       </p:nvGrpSpPr>
@@ -796,7 +818,7 @@
       </p:grpSpPr>
       <p:sp>
         <p:nvSpPr>
-          <p:cNvPr id="129" name="Shape 129"/>
+          <p:cNvPr id="134" name="Shape 134"/>
           <p:cNvSpPr/>
           <p:nvPr>
             <p:ph idx="2" type="sldImg"/>
@@ -840,7 +862,7 @@
       </p:sp>
       <p:sp>
         <p:nvSpPr>
-          <p:cNvPr id="130" name="Shape 130"/>
+          <p:cNvPr id="135" name="Shape 135"/>
           <p:cNvSpPr txBox="1"/>
           <p:nvPr>
             <p:ph idx="1" type="body"/>
@@ -887,7 +909,7 @@
   <p:cSld>
     <p:spTree>
       <p:nvGrpSpPr>
-        <p:cNvPr id="134" name="Shape 134"/>
+        <p:cNvPr id="140" name="Shape 140"/>
         <p:cNvGrpSpPr/>
         <p:nvPr/>
       </p:nvGrpSpPr>
@@ -901,7 +923,7 @@
       </p:grpSpPr>
       <p:sp>
         <p:nvSpPr>
-          <p:cNvPr id="135" name="Shape 135"/>
+          <p:cNvPr id="141" name="Shape 141"/>
           <p:cNvSpPr/>
           <p:nvPr>
             <p:ph idx="2" type="sldImg"/>
@@ -945,7 +967,7 @@
       </p:sp>
       <p:sp>
         <p:nvSpPr>
-          <p:cNvPr id="136" name="Shape 136"/>
+          <p:cNvPr id="142" name="Shape 142"/>
           <p:cNvSpPr txBox="1"/>
           <p:nvPr>
             <p:ph idx="1" type="body"/>
@@ -992,7 +1014,7 @@
   <p:cSld>
     <p:spTree>
       <p:nvGrpSpPr>
-        <p:cNvPr id="140" name="Shape 140"/>
+        <p:cNvPr id="146" name="Shape 146"/>
         <p:cNvGrpSpPr/>
         <p:nvPr/>
       </p:nvGrpSpPr>
@@ -1006,7 +1028,7 @@
       </p:grpSpPr>
       <p:sp>
         <p:nvSpPr>
-          <p:cNvPr id="141" name="Shape 141"/>
+          <p:cNvPr id="147" name="Shape 147"/>
           <p:cNvSpPr/>
           <p:nvPr>
             <p:ph idx="2" type="sldImg"/>
@@ -1050,7 +1072,427 @@
       </p:sp>
       <p:sp>
         <p:nvSpPr>
-          <p:cNvPr id="142" name="Shape 142"/>
+          <p:cNvPr id="148" name="Shape 148"/>
+          <p:cNvSpPr txBox="1"/>
+          <p:nvPr>
+            <p:ph idx="1" type="body"/>
+          </p:nvPr>
+        </p:nvSpPr>
+        <p:spPr>
+          <a:xfrm>
+            <a:off x="685800" y="4343400"/>
+            <a:ext cx="5486399" cy="4114800"/>
+          </a:xfrm>
+          <a:prstGeom prst="rect">
+            <a:avLst/>
+          </a:prstGeom>
+        </p:spPr>
+        <p:txBody>
+          <a:bodyPr anchorCtr="0" anchor="t" bIns="91425" lIns="91425" rIns="91425" tIns="91425">
+            <a:noAutofit/>
+          </a:bodyPr>
+          <a:lstStyle/>
+          <a:p>
+            <a:pPr lvl="0" rtl="0">
+              <a:spcBef>
+                <a:spcPts val="0"/>
+              </a:spcBef>
+              <a:buNone/>
+            </a:pPr>
+            <a:r>
+              <a:rPr lang="en"/>
+              <a:t>ii. we eventually settled on testing python libraries, because their functionality was very clearly established AND standalone. Since the creation of these libraries, a lot of the functionality has been built into default python, but it is still important to test because code written long ago still uses these methods.</a:t>
+            </a:r>
+          </a:p>
+        </p:txBody>
+      </p:sp>
+    </p:spTree>
+  </p:cSld>
+  <p:clrMapOvr>
+    <a:masterClrMapping/>
+  </p:clrMapOvr>
+</p:notes>
+</file>
+
+<file path=ppt/notesSlides/notesSlide15.xml><?xml version="1.0" encoding="utf-8"?>
+<p:notes xmlns:a="http://schemas.openxmlformats.org/drawingml/2006/main" xmlns:r="http://schemas.openxmlformats.org/officeDocument/2006/relationships" xmlns:mc="http://schemas.openxmlformats.org/markup-compatibility/2006" xmlns:mv="urn:schemas-microsoft-com:mac:vml" xmlns:p="http://schemas.openxmlformats.org/presentationml/2006/main" xmlns:c="http://schemas.openxmlformats.org/drawingml/2006/chart" xmlns:dgm="http://schemas.openxmlformats.org/drawingml/2006/diagram" xmlns:o="urn:schemas-microsoft-com:office:office" xmlns:v="urn:schemas-microsoft-com:vml" xmlns:pvml="urn:schemas-microsoft-com:office:powerpoint" xmlns:com="http://schemas.openxmlformats.org/drawingml/2006/compatibility" xmlns:p14="http://schemas.microsoft.com/office/powerpoint/2010/main" showMasterPhAnim="0" showMasterSp="0">
+  <p:cSld>
+    <p:spTree>
+      <p:nvGrpSpPr>
+        <p:cNvPr id="152" name="Shape 152"/>
+        <p:cNvGrpSpPr/>
+        <p:nvPr/>
+      </p:nvGrpSpPr>
+      <p:grpSpPr>
+        <a:xfrm>
+          <a:off x="0" y="0"/>
+          <a:ext cx="0" cy="0"/>
+          <a:chOff x="0" y="0"/>
+          <a:chExt cx="0" cy="0"/>
+        </a:xfrm>
+      </p:grpSpPr>
+      <p:sp>
+        <p:nvSpPr>
+          <p:cNvPr id="153" name="Shape 153"/>
+          <p:cNvSpPr/>
+          <p:nvPr>
+            <p:ph idx="2" type="sldImg"/>
+          </p:nvPr>
+        </p:nvSpPr>
+        <p:spPr>
+          <a:xfrm>
+            <a:off x="381300" y="685800"/>
+            <a:ext cx="6096000" cy="3429000"/>
+          </a:xfrm>
+          <a:custGeom>
+            <a:pathLst>
+              <a:path extrusionOk="0" h="120000" w="120000">
+                <a:moveTo>
+                  <a:pt x="0" y="0"/>
+                </a:moveTo>
+                <a:lnTo>
+                  <a:pt x="120000" y="0"/>
+                </a:lnTo>
+                <a:lnTo>
+                  <a:pt x="120000" y="120000"/>
+                </a:lnTo>
+                <a:lnTo>
+                  <a:pt x="0" y="120000"/>
+                </a:lnTo>
+                <a:close/>
+              </a:path>
+            </a:pathLst>
+          </a:custGeom>
+          <a:noFill/>
+          <a:ln cap="flat" cmpd="sng" w="9525">
+            <a:solidFill>
+              <a:srgbClr val="000000"/>
+            </a:solidFill>
+            <a:prstDash val="solid"/>
+            <a:round/>
+            <a:headEnd len="med" w="med" type="none"/>
+            <a:tailEnd len="med" w="med" type="none"/>
+          </a:ln>
+        </p:spPr>
+      </p:sp>
+      <p:sp>
+        <p:nvSpPr>
+          <p:cNvPr id="154" name="Shape 154"/>
+          <p:cNvSpPr txBox="1"/>
+          <p:nvPr>
+            <p:ph idx="1" type="body"/>
+          </p:nvPr>
+        </p:nvSpPr>
+        <p:spPr>
+          <a:xfrm>
+            <a:off x="685800" y="4343400"/>
+            <a:ext cx="5486399" cy="4114800"/>
+          </a:xfrm>
+          <a:prstGeom prst="rect">
+            <a:avLst/>
+          </a:prstGeom>
+        </p:spPr>
+        <p:txBody>
+          <a:bodyPr anchorCtr="0" anchor="t" bIns="91425" lIns="91425" rIns="91425" tIns="91425">
+            <a:noAutofit/>
+          </a:bodyPr>
+          <a:lstStyle/>
+          <a:p>
+            <a:pPr lvl="0" rtl="0">
+              <a:spcBef>
+                <a:spcPts val="0"/>
+              </a:spcBef>
+              <a:buNone/>
+            </a:pPr>
+            <a:r>
+              <a:t/>
+            </a:r>
+            <a:endParaRPr/>
+          </a:p>
+        </p:txBody>
+      </p:sp>
+    </p:spTree>
+  </p:cSld>
+  <p:clrMapOvr>
+    <a:masterClrMapping/>
+  </p:clrMapOvr>
+</p:notes>
+</file>
+
+<file path=ppt/notesSlides/notesSlide16.xml><?xml version="1.0" encoding="utf-8"?>
+<p:notes xmlns:a="http://schemas.openxmlformats.org/drawingml/2006/main" xmlns:r="http://schemas.openxmlformats.org/officeDocument/2006/relationships" xmlns:mc="http://schemas.openxmlformats.org/markup-compatibility/2006" xmlns:mv="urn:schemas-microsoft-com:mac:vml" xmlns:p="http://schemas.openxmlformats.org/presentationml/2006/main" xmlns:c="http://schemas.openxmlformats.org/drawingml/2006/chart" xmlns:dgm="http://schemas.openxmlformats.org/drawingml/2006/diagram" xmlns:o="urn:schemas-microsoft-com:office:office" xmlns:v="urn:schemas-microsoft-com:vml" xmlns:pvml="urn:schemas-microsoft-com:office:powerpoint" xmlns:com="http://schemas.openxmlformats.org/drawingml/2006/compatibility" xmlns:p14="http://schemas.microsoft.com/office/powerpoint/2010/main" showMasterPhAnim="0" showMasterSp="0">
+  <p:cSld>
+    <p:spTree>
+      <p:nvGrpSpPr>
+        <p:cNvPr id="158" name="Shape 158"/>
+        <p:cNvGrpSpPr/>
+        <p:nvPr/>
+      </p:nvGrpSpPr>
+      <p:grpSpPr>
+        <a:xfrm>
+          <a:off x="0" y="0"/>
+          <a:ext cx="0" cy="0"/>
+          <a:chOff x="0" y="0"/>
+          <a:chExt cx="0" cy="0"/>
+        </a:xfrm>
+      </p:grpSpPr>
+      <p:sp>
+        <p:nvSpPr>
+          <p:cNvPr id="159" name="Shape 159"/>
+          <p:cNvSpPr/>
+          <p:nvPr>
+            <p:ph idx="2" type="sldImg"/>
+          </p:nvPr>
+        </p:nvSpPr>
+        <p:spPr>
+          <a:xfrm>
+            <a:off x="381300" y="685800"/>
+            <a:ext cx="6096000" cy="3429000"/>
+          </a:xfrm>
+          <a:custGeom>
+            <a:pathLst>
+              <a:path extrusionOk="0" h="120000" w="120000">
+                <a:moveTo>
+                  <a:pt x="0" y="0"/>
+                </a:moveTo>
+                <a:lnTo>
+                  <a:pt x="120000" y="0"/>
+                </a:lnTo>
+                <a:lnTo>
+                  <a:pt x="120000" y="120000"/>
+                </a:lnTo>
+                <a:lnTo>
+                  <a:pt x="0" y="120000"/>
+                </a:lnTo>
+                <a:close/>
+              </a:path>
+            </a:pathLst>
+          </a:custGeom>
+          <a:noFill/>
+          <a:ln cap="flat" cmpd="sng" w="9525">
+            <a:solidFill>
+              <a:srgbClr val="000000"/>
+            </a:solidFill>
+            <a:prstDash val="solid"/>
+            <a:round/>
+            <a:headEnd len="med" w="med" type="none"/>
+            <a:tailEnd len="med" w="med" type="none"/>
+          </a:ln>
+        </p:spPr>
+      </p:sp>
+      <p:sp>
+        <p:nvSpPr>
+          <p:cNvPr id="160" name="Shape 160"/>
+          <p:cNvSpPr txBox="1"/>
+          <p:nvPr>
+            <p:ph idx="1" type="body"/>
+          </p:nvPr>
+        </p:nvSpPr>
+        <p:spPr>
+          <a:xfrm>
+            <a:off x="685800" y="4343400"/>
+            <a:ext cx="5486399" cy="4114800"/>
+          </a:xfrm>
+          <a:prstGeom prst="rect">
+            <a:avLst/>
+          </a:prstGeom>
+        </p:spPr>
+        <p:txBody>
+          <a:bodyPr anchorCtr="0" anchor="t" bIns="91425" lIns="91425" rIns="91425" tIns="91425">
+            <a:noAutofit/>
+          </a:bodyPr>
+          <a:lstStyle/>
+          <a:p>
+            <a:pPr lvl="0" rtl="0">
+              <a:spcBef>
+                <a:spcPts val="0"/>
+              </a:spcBef>
+              <a:buNone/>
+            </a:pPr>
+            <a:r>
+              <a:t/>
+            </a:r>
+            <a:endParaRPr/>
+          </a:p>
+        </p:txBody>
+      </p:sp>
+    </p:spTree>
+  </p:cSld>
+  <p:clrMapOvr>
+    <a:masterClrMapping/>
+  </p:clrMapOvr>
+</p:notes>
+</file>
+
+<file path=ppt/notesSlides/notesSlide17.xml><?xml version="1.0" encoding="utf-8"?>
+<p:notes xmlns:a="http://schemas.openxmlformats.org/drawingml/2006/main" xmlns:r="http://schemas.openxmlformats.org/officeDocument/2006/relationships" xmlns:mc="http://schemas.openxmlformats.org/markup-compatibility/2006" xmlns:mv="urn:schemas-microsoft-com:mac:vml" xmlns:p="http://schemas.openxmlformats.org/presentationml/2006/main" xmlns:c="http://schemas.openxmlformats.org/drawingml/2006/chart" xmlns:dgm="http://schemas.openxmlformats.org/drawingml/2006/diagram" xmlns:o="urn:schemas-microsoft-com:office:office" xmlns:v="urn:schemas-microsoft-com:vml" xmlns:pvml="urn:schemas-microsoft-com:office:powerpoint" xmlns:com="http://schemas.openxmlformats.org/drawingml/2006/compatibility" xmlns:p14="http://schemas.microsoft.com/office/powerpoint/2010/main" showMasterPhAnim="0" showMasterSp="0">
+  <p:cSld>
+    <p:spTree>
+      <p:nvGrpSpPr>
+        <p:cNvPr id="164" name="Shape 164"/>
+        <p:cNvGrpSpPr/>
+        <p:nvPr/>
+      </p:nvGrpSpPr>
+      <p:grpSpPr>
+        <a:xfrm>
+          <a:off x="0" y="0"/>
+          <a:ext cx="0" cy="0"/>
+          <a:chOff x="0" y="0"/>
+          <a:chExt cx="0" cy="0"/>
+        </a:xfrm>
+      </p:grpSpPr>
+      <p:sp>
+        <p:nvSpPr>
+          <p:cNvPr id="165" name="Shape 165"/>
+          <p:cNvSpPr/>
+          <p:nvPr>
+            <p:ph idx="2" type="sldImg"/>
+          </p:nvPr>
+        </p:nvSpPr>
+        <p:spPr>
+          <a:xfrm>
+            <a:off x="381300" y="685800"/>
+            <a:ext cx="6096000" cy="3429000"/>
+          </a:xfrm>
+          <a:custGeom>
+            <a:pathLst>
+              <a:path extrusionOk="0" h="120000" w="120000">
+                <a:moveTo>
+                  <a:pt x="0" y="0"/>
+                </a:moveTo>
+                <a:lnTo>
+                  <a:pt x="120000" y="0"/>
+                </a:lnTo>
+                <a:lnTo>
+                  <a:pt x="120000" y="120000"/>
+                </a:lnTo>
+                <a:lnTo>
+                  <a:pt x="0" y="120000"/>
+                </a:lnTo>
+                <a:close/>
+              </a:path>
+            </a:pathLst>
+          </a:custGeom>
+          <a:noFill/>
+          <a:ln cap="flat" cmpd="sng" w="9525">
+            <a:solidFill>
+              <a:srgbClr val="000000"/>
+            </a:solidFill>
+            <a:prstDash val="solid"/>
+            <a:round/>
+            <a:headEnd len="med" w="med" type="none"/>
+            <a:tailEnd len="med" w="med" type="none"/>
+          </a:ln>
+        </p:spPr>
+      </p:sp>
+      <p:sp>
+        <p:nvSpPr>
+          <p:cNvPr id="166" name="Shape 166"/>
+          <p:cNvSpPr txBox="1"/>
+          <p:nvPr>
+            <p:ph idx="1" type="body"/>
+          </p:nvPr>
+        </p:nvSpPr>
+        <p:spPr>
+          <a:xfrm>
+            <a:off x="685800" y="4343400"/>
+            <a:ext cx="5486399" cy="4114800"/>
+          </a:xfrm>
+          <a:prstGeom prst="rect">
+            <a:avLst/>
+          </a:prstGeom>
+        </p:spPr>
+        <p:txBody>
+          <a:bodyPr anchorCtr="0" anchor="t" bIns="91425" lIns="91425" rIns="91425" tIns="91425">
+            <a:noAutofit/>
+          </a:bodyPr>
+          <a:lstStyle/>
+          <a:p>
+            <a:pPr lvl="0" rtl="0">
+              <a:spcBef>
+                <a:spcPts val="0"/>
+              </a:spcBef>
+              <a:buNone/>
+            </a:pPr>
+            <a:r>
+              <a:t/>
+            </a:r>
+            <a:endParaRPr/>
+          </a:p>
+        </p:txBody>
+      </p:sp>
+    </p:spTree>
+  </p:cSld>
+  <p:clrMapOvr>
+    <a:masterClrMapping/>
+  </p:clrMapOvr>
+</p:notes>
+</file>
+
+<file path=ppt/notesSlides/notesSlide18.xml><?xml version="1.0" encoding="utf-8"?>
+<p:notes xmlns:a="http://schemas.openxmlformats.org/drawingml/2006/main" xmlns:r="http://schemas.openxmlformats.org/officeDocument/2006/relationships" xmlns:mc="http://schemas.openxmlformats.org/markup-compatibility/2006" xmlns:mv="urn:schemas-microsoft-com:mac:vml" xmlns:p="http://schemas.openxmlformats.org/presentationml/2006/main" xmlns:c="http://schemas.openxmlformats.org/drawingml/2006/chart" xmlns:dgm="http://schemas.openxmlformats.org/drawingml/2006/diagram" xmlns:o="urn:schemas-microsoft-com:office:office" xmlns:v="urn:schemas-microsoft-com:vml" xmlns:pvml="urn:schemas-microsoft-com:office:powerpoint" xmlns:com="http://schemas.openxmlformats.org/drawingml/2006/compatibility" xmlns:p14="http://schemas.microsoft.com/office/powerpoint/2010/main" showMasterPhAnim="0" showMasterSp="0">
+  <p:cSld>
+    <p:spTree>
+      <p:nvGrpSpPr>
+        <p:cNvPr id="170" name="Shape 170"/>
+        <p:cNvGrpSpPr/>
+        <p:nvPr/>
+      </p:nvGrpSpPr>
+      <p:grpSpPr>
+        <a:xfrm>
+          <a:off x="0" y="0"/>
+          <a:ext cx="0" cy="0"/>
+          <a:chOff x="0" y="0"/>
+          <a:chExt cx="0" cy="0"/>
+        </a:xfrm>
+      </p:grpSpPr>
+      <p:sp>
+        <p:nvSpPr>
+          <p:cNvPr id="171" name="Shape 171"/>
+          <p:cNvSpPr/>
+          <p:nvPr>
+            <p:ph idx="2" type="sldImg"/>
+          </p:nvPr>
+        </p:nvSpPr>
+        <p:spPr>
+          <a:xfrm>
+            <a:off x="381300" y="685800"/>
+            <a:ext cx="6096000" cy="3429000"/>
+          </a:xfrm>
+          <a:custGeom>
+            <a:pathLst>
+              <a:path extrusionOk="0" h="120000" w="120000">
+                <a:moveTo>
+                  <a:pt x="0" y="0"/>
+                </a:moveTo>
+                <a:lnTo>
+                  <a:pt x="120000" y="0"/>
+                </a:lnTo>
+                <a:lnTo>
+                  <a:pt x="120000" y="120000"/>
+                </a:lnTo>
+                <a:lnTo>
+                  <a:pt x="0" y="120000"/>
+                </a:lnTo>
+                <a:close/>
+              </a:path>
+            </a:pathLst>
+          </a:custGeom>
+          <a:noFill/>
+          <a:ln cap="flat" cmpd="sng" w="9525">
+            <a:solidFill>
+              <a:srgbClr val="000000"/>
+            </a:solidFill>
+            <a:prstDash val="solid"/>
+            <a:round/>
+            <a:headEnd len="med" w="med" type="none"/>
+            <a:tailEnd len="med" w="med" type="none"/>
+          </a:ln>
+        </p:spPr>
+      </p:sp>
+      <p:sp>
+        <p:nvSpPr>
+          <p:cNvPr id="172" name="Shape 172"/>
           <p:cNvSpPr txBox="1"/>
           <p:nvPr>
             <p:ph idx="1" type="body"/>
@@ -5876,7 +6318,7 @@
   <p:cSld>
     <p:spTree>
       <p:nvGrpSpPr>
-        <p:cNvPr id="119" name="Shape 119"/>
+        <p:cNvPr id="120" name="Shape 120"/>
         <p:cNvGrpSpPr/>
         <p:nvPr/>
       </p:nvGrpSpPr>
@@ -5890,7 +6332,7 @@
       </p:grpSpPr>
       <p:sp>
         <p:nvSpPr>
-          <p:cNvPr id="120" name="Shape 120"/>
+          <p:cNvPr id="121" name="Shape 121"/>
           <p:cNvSpPr txBox="1"/>
           <p:nvPr>
             <p:ph type="title"/>
@@ -5919,14 +6361,14 @@
             </a:pPr>
             <a:r>
               <a:rPr lang="en"/>
-              <a:t>What we learned throughout the process</a:t>
+              <a:t>Example Test Case</a:t>
             </a:r>
           </a:p>
         </p:txBody>
       </p:sp>
       <p:sp>
         <p:nvSpPr>
-          <p:cNvPr id="121" name="Shape 121"/>
+          <p:cNvPr id="122" name="Shape 122"/>
           <p:cNvSpPr txBox="1"/>
           <p:nvPr>
             <p:ph idx="1" type="body"/>
@@ -5947,85 +6389,47 @@
           </a:bodyPr>
           <a:lstStyle/>
           <a:p>
-            <a:pPr indent="-381000" lvl="0" marL="457200" rtl="0">
-              <a:spcBef>
-                <a:spcPts val="0"/>
-              </a:spcBef>
-              <a:buSzPct val="100000"/>
-              <a:buAutoNum type="arabicPeriod"/>
-            </a:pPr>
-            <a:r>
-              <a:rPr lang="en" sz="2400"/>
-              <a:t>Deliverable #2 (5 Test Cases) </a:t>
-            </a:r>
-          </a:p>
-          <a:p>
-            <a:pPr indent="-342900" lvl="1" marL="914400" rtl="0">
-              <a:spcBef>
-                <a:spcPts val="0"/>
-              </a:spcBef>
-              <a:buSzPct val="100000"/>
-              <a:buAutoNum type="alphaLcPeriod"/>
-            </a:pPr>
-            <a:r>
-              <a:rPr lang="en" sz="1800"/>
-              <a:t>How to use Git/github</a:t>
-            </a:r>
-          </a:p>
-          <a:p>
-            <a:pPr indent="-342900" lvl="1" marL="914400" rtl="0">
-              <a:spcBef>
-                <a:spcPts val="0"/>
-              </a:spcBef>
-              <a:buSzPct val="100000"/>
-              <a:buAutoNum type="alphaLcPeriod"/>
-            </a:pPr>
-            <a:r>
-              <a:rPr lang="en" sz="1800"/>
-              <a:t>How to navigate codebase</a:t>
-            </a:r>
-          </a:p>
-          <a:p>
-            <a:pPr indent="-342900" lvl="1" marL="914400" rtl="0">
-              <a:spcBef>
-                <a:spcPts val="0"/>
-              </a:spcBef>
-              <a:buSzPct val="100000"/>
-              <a:buAutoNum type="alphaLcPeriod"/>
-            </a:pPr>
-            <a:r>
-              <a:rPr lang="en" sz="1800"/>
-              <a:t>Selecting modules to test</a:t>
-            </a:r>
-          </a:p>
-          <a:p>
-            <a:pPr indent="-342900" lvl="2" marL="1371600" rtl="0">
-              <a:spcBef>
-                <a:spcPts val="0"/>
-              </a:spcBef>
-              <a:buSzPct val="100000"/>
-              <a:buAutoNum type="romanLcPeriod"/>
-            </a:pPr>
-            <a:r>
-              <a:rPr lang="en" sz="1800"/>
-              <a:t>Eventually chose python libraries</a:t>
-            </a:r>
-          </a:p>
-          <a:p>
-            <a:pPr indent="-342900" lvl="1" marL="914400" rtl="0">
-              <a:spcBef>
-                <a:spcPts val="0"/>
-              </a:spcBef>
-              <a:buSzPct val="100000"/>
-              <a:buAutoNum type="alphaLcPeriod"/>
-            </a:pPr>
-            <a:r>
-              <a:rPr b="1" lang="en" sz="1800"/>
-              <a:t>Figuring out how to have a script navigate a file system and import/call python functions given only textual input at runtime</a:t>
-            </a:r>
+            <a:pPr lvl="0" rtl="0">
+              <a:spcBef>
+                <a:spcPts val="0"/>
+              </a:spcBef>
+              <a:buNone/>
+            </a:pPr>
+            <a:r>
+              <a:t/>
+            </a:r>
+            <a:endParaRPr/>
           </a:p>
         </p:txBody>
       </p:sp>
+      <p:pic>
+        <p:nvPicPr>
+          <p:cNvPr id="123" name="Shape 123"/>
+          <p:cNvPicPr preferRelativeResize="0"/>
+          <p:nvPr/>
+        </p:nvPicPr>
+        <p:blipFill>
+          <a:blip r:embed="rId3">
+            <a:alphaModFix/>
+          </a:blip>
+          <a:stretch>
+            <a:fillRect/>
+          </a:stretch>
+        </p:blipFill>
+        <p:spPr>
+          <a:xfrm>
+            <a:off x="1874310" y="1149500"/>
+            <a:ext cx="5395374" cy="3759550"/>
+          </a:xfrm>
+          <a:prstGeom prst="rect">
+            <a:avLst/>
+          </a:prstGeom>
+          <a:noFill/>
+          <a:ln>
+            <a:noFill/>
+          </a:ln>
+        </p:spPr>
+      </p:pic>
     </p:spTree>
   </p:cSld>
   <p:clrMapOvr>
@@ -6042,7 +6446,7 @@
   <p:cSld>
     <p:spTree>
       <p:nvGrpSpPr>
-        <p:cNvPr id="125" name="Shape 125"/>
+        <p:cNvPr id="127" name="Shape 127"/>
         <p:cNvGrpSpPr/>
         <p:nvPr/>
       </p:nvGrpSpPr>
@@ -6056,7 +6460,7 @@
       </p:grpSpPr>
       <p:sp>
         <p:nvSpPr>
-          <p:cNvPr id="126" name="Shape 126"/>
+          <p:cNvPr id="128" name="Shape 128"/>
           <p:cNvSpPr txBox="1"/>
           <p:nvPr>
             <p:ph type="title"/>
@@ -6085,14 +6489,14 @@
             </a:pPr>
             <a:r>
               <a:rPr lang="en"/>
-              <a:t>What we learned throughout the process</a:t>
+              <a:t>Sample Fault Injection</a:t>
             </a:r>
           </a:p>
         </p:txBody>
       </p:sp>
       <p:sp>
         <p:nvSpPr>
-          <p:cNvPr id="127" name="Shape 127"/>
+          <p:cNvPr id="129" name="Shape 129"/>
           <p:cNvSpPr txBox="1"/>
           <p:nvPr>
             <p:ph idx="1" type="body"/>
@@ -6113,85 +6517,101 @@
           </a:bodyPr>
           <a:lstStyle/>
           <a:p>
-            <a:pPr indent="-381000" lvl="0" marL="457200" rtl="0">
-              <a:spcBef>
-                <a:spcPts val="0"/>
-              </a:spcBef>
-              <a:buSzPct val="100000"/>
-              <a:buAutoNum type="arabicPeriod"/>
-            </a:pPr>
-            <a:r>
-              <a:rPr lang="en" sz="2400"/>
-              <a:t>Deliverable #4 (25 Test Cases) </a:t>
-            </a:r>
-          </a:p>
-          <a:p>
-            <a:pPr indent="-342900" lvl="1" marL="914400" rtl="0">
-              <a:spcBef>
-                <a:spcPts val="0"/>
-              </a:spcBef>
-              <a:buSzPct val="100000"/>
-              <a:buAutoNum type="alphaLcPeriod"/>
-            </a:pPr>
-            <a:r>
-              <a:rPr lang="en" sz="1800"/>
-              <a:t>Had to expand framework to handle more than just string in -&gt; string out methods</a:t>
-            </a:r>
-          </a:p>
-          <a:p>
-            <a:pPr indent="-342900" lvl="1" marL="914400" rtl="0">
-              <a:spcBef>
-                <a:spcPts val="0"/>
-              </a:spcBef>
-              <a:buSzPct val="100000"/>
-              <a:buAutoNum type="alphaLcPeriod"/>
-            </a:pPr>
-            <a:r>
-              <a:rPr lang="en" sz="1800"/>
-              <a:t>Determining conventions for how to handle:</a:t>
-            </a:r>
-          </a:p>
-          <a:p>
-            <a:pPr indent="-342900" lvl="2" marL="1371600" rtl="0">
-              <a:spcBef>
-                <a:spcPts val="0"/>
-              </a:spcBef>
-              <a:buSzPct val="100000"/>
-              <a:buAutoNum type="romanLcPeriod"/>
-            </a:pPr>
-            <a:r>
-              <a:rPr lang="en" sz="1800"/>
-              <a:t>Multiple inputs</a:t>
-            </a:r>
-          </a:p>
-          <a:p>
-            <a:pPr indent="-342900" lvl="2" marL="1371600" rtl="0">
-              <a:spcBef>
-                <a:spcPts val="0"/>
-              </a:spcBef>
-              <a:buSzPct val="100000"/>
-              <a:buAutoNum type="romanLcPeriod"/>
-            </a:pPr>
-            <a:r>
-              <a:rPr lang="en" sz="1800"/>
-              <a:t>Different input data types</a:t>
-            </a:r>
-          </a:p>
-          <a:p>
-            <a:pPr indent="-342900" lvl="1" marL="914400" rtl="0">
-              <a:spcBef>
-                <a:spcPts val="0"/>
-              </a:spcBef>
-              <a:buSzPct val="100000"/>
-              <a:buAutoNum type="alphaLcPeriod"/>
-            </a:pPr>
-            <a:r>
-              <a:rPr lang="en" sz="1800"/>
-              <a:t>About ~ files in ubuntu</a:t>
-            </a:r>
+            <a:pPr lvl="0" rtl="0">
+              <a:spcBef>
+                <a:spcPts val="0"/>
+              </a:spcBef>
+              <a:buNone/>
+            </a:pPr>
+            <a:r>
+              <a:t/>
+            </a:r>
+            <a:endParaRPr/>
           </a:p>
         </p:txBody>
       </p:sp>
+      <p:pic>
+        <p:nvPicPr>
+          <p:cNvPr id="130" name="Shape 130"/>
+          <p:cNvPicPr preferRelativeResize="0"/>
+          <p:nvPr/>
+        </p:nvPicPr>
+        <p:blipFill>
+          <a:blip r:embed="rId4">
+            <a:alphaModFix/>
+          </a:blip>
+          <a:stretch>
+            <a:fillRect/>
+          </a:stretch>
+        </p:blipFill>
+        <p:spPr>
+          <a:xfrm>
+            <a:off x="0" y="1949237"/>
+            <a:ext cx="4279975" cy="2160074"/>
+          </a:xfrm>
+          <a:prstGeom prst="rect">
+            <a:avLst/>
+          </a:prstGeom>
+          <a:noFill/>
+          <a:ln>
+            <a:noFill/>
+          </a:ln>
+        </p:spPr>
+      </p:pic>
+      <p:pic>
+        <p:nvPicPr>
+          <p:cNvPr id="131" name="Shape 131"/>
+          <p:cNvPicPr preferRelativeResize="0"/>
+          <p:nvPr/>
+        </p:nvPicPr>
+        <p:blipFill>
+          <a:blip r:embed="rId5">
+            <a:alphaModFix/>
+          </a:blip>
+          <a:stretch>
+            <a:fillRect/>
+          </a:stretch>
+        </p:blipFill>
+        <p:spPr>
+          <a:xfrm>
+            <a:off x="4873850" y="1949237"/>
+            <a:ext cx="4270141" cy="2160074"/>
+          </a:xfrm>
+          <a:prstGeom prst="rect">
+            <a:avLst/>
+          </a:prstGeom>
+          <a:noFill/>
+          <a:ln>
+            <a:noFill/>
+          </a:ln>
+        </p:spPr>
+      </p:pic>
+      <p:cxnSp>
+        <p:nvCxnSpPr>
+          <p:cNvPr id="132" name="Shape 132"/>
+          <p:cNvCxnSpPr/>
+          <p:nvPr/>
+        </p:nvCxnSpPr>
+        <p:spPr>
+          <a:xfrm>
+            <a:off x="2060375" y="2312350"/>
+            <a:ext cx="3068399" cy="0"/>
+          </a:xfrm>
+          <a:prstGeom prst="straightConnector1">
+            <a:avLst/>
+          </a:prstGeom>
+          <a:noFill/>
+          <a:ln cap="flat" cmpd="sng" w="9525">
+            <a:solidFill>
+              <a:srgbClr val="FF0000"/>
+            </a:solidFill>
+            <a:prstDash val="solid"/>
+            <a:round/>
+            <a:headEnd len="lg" w="lg" type="none"/>
+            <a:tailEnd len="lg" w="lg" type="triangle"/>
+          </a:ln>
+        </p:spPr>
+      </p:cxnSp>
     </p:spTree>
   </p:cSld>
   <p:clrMapOvr>
@@ -6208,7 +6628,7 @@
   <p:cSld>
     <p:spTree>
       <p:nvGrpSpPr>
-        <p:cNvPr id="131" name="Shape 131"/>
+        <p:cNvPr id="136" name="Shape 136"/>
         <p:cNvGrpSpPr/>
         <p:nvPr/>
       </p:nvGrpSpPr>
@@ -6222,7 +6642,7 @@
       </p:grpSpPr>
       <p:sp>
         <p:nvSpPr>
-          <p:cNvPr id="132" name="Shape 132"/>
+          <p:cNvPr id="137" name="Shape 137"/>
           <p:cNvSpPr txBox="1"/>
           <p:nvPr>
             <p:ph type="title"/>
@@ -6251,14 +6671,14 @@
             </a:pPr>
             <a:r>
               <a:rPr lang="en"/>
-              <a:t>What we learned throughout the process</a:t>
+              <a:t>Fault Injection Result</a:t>
             </a:r>
           </a:p>
         </p:txBody>
       </p:sp>
       <p:sp>
         <p:nvSpPr>
-          <p:cNvPr id="133" name="Shape 133"/>
+          <p:cNvPr id="138" name="Shape 138"/>
           <p:cNvSpPr txBox="1"/>
           <p:nvPr>
             <p:ph idx="1" type="body"/>
@@ -6279,46 +6699,47 @@
           </a:bodyPr>
           <a:lstStyle/>
           <a:p>
-            <a:pPr indent="-381000" lvl="0" marL="457200" rtl="0">
-              <a:spcBef>
-                <a:spcPts val="0"/>
-              </a:spcBef>
-              <a:buSzPct val="100000"/>
-              <a:buAutoNum type="arabicPeriod"/>
-            </a:pPr>
-            <a:r>
-              <a:rPr lang="en" sz="2400"/>
-              <a:t>Deliverable #5 (Fault Injection) </a:t>
-            </a:r>
-          </a:p>
-          <a:p>
-            <a:pPr indent="-342900" lvl="1" marL="914400" rtl="0">
-              <a:spcBef>
-                <a:spcPts val="0"/>
-              </a:spcBef>
-              <a:buSzPct val="100000"/>
-              <a:buAutoNum type="alphaLcPeriod"/>
-            </a:pPr>
-            <a:r>
-              <a:rPr lang="en" sz="1800"/>
-              <a:t>About the python import search path</a:t>
-            </a:r>
-          </a:p>
-          <a:p>
-            <a:pPr indent="-342900" lvl="2" marL="1371600" rtl="0">
-              <a:spcBef>
-                <a:spcPts val="0"/>
-              </a:spcBef>
-              <a:buSzPct val="100000"/>
-              <a:buAutoNum type="romanLcPeriod"/>
-            </a:pPr>
-            <a:r>
-              <a:rPr lang="en" sz="1800"/>
-              <a:t>How to tell python where to look for modules being imported</a:t>
-            </a:r>
+            <a:pPr lvl="0" rtl="0">
+              <a:spcBef>
+                <a:spcPts val="0"/>
+              </a:spcBef>
+              <a:buNone/>
+            </a:pPr>
+            <a:r>
+              <a:t/>
+            </a:r>
+            <a:endParaRPr/>
           </a:p>
         </p:txBody>
       </p:sp>
+      <p:pic>
+        <p:nvPicPr>
+          <p:cNvPr id="139" name="Shape 139"/>
+          <p:cNvPicPr preferRelativeResize="0"/>
+          <p:nvPr/>
+        </p:nvPicPr>
+        <p:blipFill>
+          <a:blip r:embed="rId4">
+            <a:alphaModFix/>
+          </a:blip>
+          <a:stretch>
+            <a:fillRect/>
+          </a:stretch>
+        </p:blipFill>
+        <p:spPr>
+          <a:xfrm>
+            <a:off x="0" y="2871969"/>
+            <a:ext cx="9143999" cy="155510"/>
+          </a:xfrm>
+          <a:prstGeom prst="rect">
+            <a:avLst/>
+          </a:prstGeom>
+          <a:noFill/>
+          <a:ln>
+            <a:noFill/>
+          </a:ln>
+        </p:spPr>
+      </p:pic>
     </p:spTree>
   </p:cSld>
   <p:clrMapOvr>
@@ -6335,7 +6756,7 @@
   <p:cSld>
     <p:spTree>
       <p:nvGrpSpPr>
-        <p:cNvPr id="137" name="Shape 137"/>
+        <p:cNvPr id="143" name="Shape 143"/>
         <p:cNvGrpSpPr/>
         <p:nvPr/>
       </p:nvGrpSpPr>
@@ -6349,7 +6770,7 @@
       </p:grpSpPr>
       <p:sp>
         <p:nvSpPr>
-          <p:cNvPr id="138" name="Shape 138"/>
+          <p:cNvPr id="144" name="Shape 144"/>
           <p:cNvSpPr txBox="1"/>
           <p:nvPr>
             <p:ph type="title"/>
@@ -6378,14 +6799,14 @@
             </a:pPr>
             <a:r>
               <a:rPr lang="en"/>
-              <a:t>What we would change</a:t>
+              <a:t>What we learned throughout the process</a:t>
             </a:r>
           </a:p>
         </p:txBody>
       </p:sp>
       <p:sp>
         <p:nvSpPr>
-          <p:cNvPr id="139" name="Shape 139"/>
+          <p:cNvPr id="145" name="Shape 145"/>
           <p:cNvSpPr txBox="1"/>
           <p:nvPr>
             <p:ph idx="1" type="body"/>
@@ -6406,89 +6827,55 @@
           </a:bodyPr>
           <a:lstStyle/>
           <a:p>
-            <a:pPr marR="0" rtl="0" algn="l">
-              <a:lnSpc>
-                <a:spcPct val="115000"/>
-              </a:lnSpc>
-              <a:spcBef>
-                <a:spcPts val="0"/>
-              </a:spcBef>
-              <a:spcAft>
-                <a:spcPts val="1600"/>
-              </a:spcAft>
-              <a:buNone/>
-            </a:pPr>
-            <a:r>
-              <a:rPr lang="en"/>
-              <a:t>Given more time:</a:t>
-            </a:r>
-          </a:p>
-          <a:p>
-            <a:pPr indent="-228600" lvl="0" marL="457200" marR="0" rtl="0" algn="l">
-              <a:lnSpc>
-                <a:spcPct val="115000"/>
-              </a:lnSpc>
-              <a:spcBef>
-                <a:spcPts val="0"/>
-              </a:spcBef>
-              <a:spcAft>
-                <a:spcPts val="1600"/>
-              </a:spcAft>
-            </a:pPr>
-            <a:r>
-              <a:rPr lang="en"/>
-              <a:t>Extend functionality to be able to test not just python functions, but class level methods</a:t>
-            </a:r>
-          </a:p>
-          <a:p>
-            <a:pPr indent="-228600" lvl="0" marL="457200" marR="0" rtl="0" algn="l">
-              <a:lnSpc>
-                <a:spcPct val="115000"/>
-              </a:lnSpc>
-              <a:spcBef>
-                <a:spcPts val="0"/>
-              </a:spcBef>
-              <a:spcAft>
-                <a:spcPts val="1600"/>
-              </a:spcAft>
-            </a:pPr>
-            <a:r>
-              <a:rPr lang="en"/>
-              <a:t>Extend functionality to be able to handle different types of inputs/outputs ( tuples, lists, mock objects etc.)</a:t>
-            </a:r>
-          </a:p>
-          <a:p>
-            <a:pPr indent="-228600" lvl="0" marL="457200" marR="0" rtl="0" algn="l">
-              <a:lnSpc>
-                <a:spcPct val="115000"/>
-              </a:lnSpc>
-              <a:spcBef>
-                <a:spcPts val="0"/>
-              </a:spcBef>
-              <a:spcAft>
-                <a:spcPts val="1600"/>
-              </a:spcAft>
-            </a:pPr>
-            <a:r>
-              <a:rPr lang="en"/>
-              <a:t>Add flexibility to root directory location of test codebase (right now user has to explicitly state filepath)</a:t>
-            </a:r>
-          </a:p>
-          <a:p>
-            <a:pPr indent="-228600" lvl="0" marL="457200" marR="0" rtl="0" algn="l">
-              <a:lnSpc>
-                <a:spcPct val="115000"/>
-              </a:lnSpc>
-              <a:spcBef>
-                <a:spcPts val="0"/>
-              </a:spcBef>
-              <a:spcAft>
-                <a:spcPts val="1600"/>
-              </a:spcAft>
-            </a:pPr>
-            <a:r>
-              <a:rPr lang="en"/>
-              <a:t>Execute the test cases sequentially to avoid storing multiple test cases in memory simultaneously </a:t>
+            <a:pPr indent="-381000" lvl="0" marL="457200" rtl="0">
+              <a:spcBef>
+                <a:spcPts val="0"/>
+              </a:spcBef>
+              <a:buSzPct val="100000"/>
+              <a:buAutoNum type="arabicPeriod"/>
+            </a:pPr>
+            <a:r>
+              <a:rPr lang="en" sz="2400"/>
+              <a:t>Deliverable #1 (Build and Test)</a:t>
+            </a:r>
+          </a:p>
+          <a:p>
+            <a:pPr indent="-342900" lvl="1" marL="914400" rtl="0">
+              <a:spcBef>
+                <a:spcPts val="0"/>
+              </a:spcBef>
+              <a:buSzPct val="100000"/>
+              <a:buAutoNum type="alphaLcPeriod"/>
+            </a:pPr>
+            <a:r>
+              <a:rPr lang="en" sz="1800"/>
+              <a:t>How to install ubuntu on a virtual machine.</a:t>
+            </a:r>
+          </a:p>
+          <a:p>
+            <a:pPr indent="-342900" lvl="1" marL="914400" rtl="0">
+              <a:spcBef>
+                <a:spcPts val="0"/>
+              </a:spcBef>
+              <a:buSzPct val="100000"/>
+              <a:buAutoNum type="alphaLcPeriod"/>
+            </a:pPr>
+            <a:r>
+              <a:rPr lang="en" sz="1800"/>
+              <a:t>How to download and build an open source framework.</a:t>
+            </a:r>
+          </a:p>
+          <a:p>
+            <a:pPr indent="-342900" lvl="1" marL="914400" rtl="0">
+              <a:spcBef>
+                <a:spcPts val="0"/>
+              </a:spcBef>
+              <a:buSzPct val="100000"/>
+              <a:buAutoNum type="alphaLcPeriod"/>
+            </a:pPr>
+            <a:r>
+              <a:rPr lang="en" sz="1800"/>
+              <a:t>Mercurial version control</a:t>
             </a:r>
           </a:p>
         </p:txBody>
@@ -6509,7 +6896,7 @@
   <p:cSld>
     <p:spTree>
       <p:nvGrpSpPr>
-        <p:cNvPr id="143" name="Shape 143"/>
+        <p:cNvPr id="149" name="Shape 149"/>
         <p:cNvGrpSpPr/>
         <p:nvPr/>
       </p:nvGrpSpPr>
@@ -6523,7 +6910,7 @@
       </p:grpSpPr>
       <p:sp>
         <p:nvSpPr>
-          <p:cNvPr id="144" name="Shape 144"/>
+          <p:cNvPr id="150" name="Shape 150"/>
           <p:cNvSpPr txBox="1"/>
           <p:nvPr>
             <p:ph type="title"/>
@@ -6544,6 +6931,639 @@
           </a:bodyPr>
           <a:lstStyle/>
           <a:p>
+            <a:pPr lvl="0" rtl="0">
+              <a:spcBef>
+                <a:spcPts val="0"/>
+              </a:spcBef>
+              <a:buNone/>
+            </a:pPr>
+            <a:r>
+              <a:rPr lang="en"/>
+              <a:t>What we learned throughout the process</a:t>
+            </a:r>
+          </a:p>
+        </p:txBody>
+      </p:sp>
+      <p:sp>
+        <p:nvSpPr>
+          <p:cNvPr id="151" name="Shape 151"/>
+          <p:cNvSpPr txBox="1"/>
+          <p:nvPr>
+            <p:ph idx="1" type="body"/>
+          </p:nvPr>
+        </p:nvSpPr>
+        <p:spPr>
+          <a:xfrm>
+            <a:off x="387900" y="1489824"/>
+            <a:ext cx="8368200" cy="3078899"/>
+          </a:xfrm>
+          <a:prstGeom prst="rect">
+            <a:avLst/>
+          </a:prstGeom>
+        </p:spPr>
+        <p:txBody>
+          <a:bodyPr anchorCtr="0" anchor="t" bIns="91425" lIns="91425" rIns="91425" tIns="91425">
+            <a:noAutofit/>
+          </a:bodyPr>
+          <a:lstStyle/>
+          <a:p>
+            <a:pPr indent="-381000" lvl="0" marL="457200" rtl="0">
+              <a:spcBef>
+                <a:spcPts val="0"/>
+              </a:spcBef>
+              <a:buSzPct val="100000"/>
+              <a:buAutoNum type="arabicPeriod"/>
+            </a:pPr>
+            <a:r>
+              <a:rPr lang="en" sz="2400"/>
+              <a:t>Deliverable #2 (5 Test Cases) </a:t>
+            </a:r>
+          </a:p>
+          <a:p>
+            <a:pPr indent="-342900" lvl="1" marL="914400" rtl="0">
+              <a:spcBef>
+                <a:spcPts val="0"/>
+              </a:spcBef>
+              <a:buSzPct val="100000"/>
+              <a:buAutoNum type="alphaLcPeriod"/>
+            </a:pPr>
+            <a:r>
+              <a:rPr lang="en" sz="1800"/>
+              <a:t>How to use Git/github</a:t>
+            </a:r>
+          </a:p>
+          <a:p>
+            <a:pPr indent="-342900" lvl="1" marL="914400" rtl="0">
+              <a:spcBef>
+                <a:spcPts val="0"/>
+              </a:spcBef>
+              <a:buSzPct val="100000"/>
+              <a:buAutoNum type="alphaLcPeriod"/>
+            </a:pPr>
+            <a:r>
+              <a:rPr lang="en" sz="1800"/>
+              <a:t>How to navigate codebase</a:t>
+            </a:r>
+          </a:p>
+          <a:p>
+            <a:pPr indent="-342900" lvl="1" marL="914400" rtl="0">
+              <a:spcBef>
+                <a:spcPts val="0"/>
+              </a:spcBef>
+              <a:buSzPct val="100000"/>
+              <a:buAutoNum type="alphaLcPeriod"/>
+            </a:pPr>
+            <a:r>
+              <a:rPr lang="en" sz="1800"/>
+              <a:t>Selecting modules to test</a:t>
+            </a:r>
+          </a:p>
+          <a:p>
+            <a:pPr indent="-342900" lvl="2" marL="1371600" rtl="0">
+              <a:spcBef>
+                <a:spcPts val="0"/>
+              </a:spcBef>
+              <a:buSzPct val="100000"/>
+              <a:buAutoNum type="romanLcPeriod"/>
+            </a:pPr>
+            <a:r>
+              <a:rPr lang="en" sz="1800"/>
+              <a:t>Eventually chose python libraries</a:t>
+            </a:r>
+          </a:p>
+          <a:p>
+            <a:pPr indent="-342900" lvl="1" marL="914400" rtl="0">
+              <a:spcBef>
+                <a:spcPts val="0"/>
+              </a:spcBef>
+              <a:buSzPct val="100000"/>
+              <a:buAutoNum type="alphaLcPeriod"/>
+            </a:pPr>
+            <a:r>
+              <a:rPr b="1" lang="en" sz="1800"/>
+              <a:t>Figuring out how to have a script navigate a file system and import/call python functions given only textual input at runtime</a:t>
+            </a:r>
+          </a:p>
+        </p:txBody>
+      </p:sp>
+    </p:spTree>
+  </p:cSld>
+  <p:clrMapOvr>
+    <a:masterClrMapping/>
+  </p:clrMapOvr>
+  <p:transition spd="slow">
+    <p:cut/>
+  </p:transition>
+</p:sld>
+</file>
+
+<file path=ppt/slides/slide15.xml><?xml version="1.0" encoding="utf-8"?>
+<p:sld xmlns:a="http://schemas.openxmlformats.org/drawingml/2006/main" xmlns:r="http://schemas.openxmlformats.org/officeDocument/2006/relationships" xmlns:mc="http://schemas.openxmlformats.org/markup-compatibility/2006" xmlns:mv="urn:schemas-microsoft-com:mac:vml" xmlns:p="http://schemas.openxmlformats.org/presentationml/2006/main" xmlns:c="http://schemas.openxmlformats.org/drawingml/2006/chart" xmlns:dgm="http://schemas.openxmlformats.org/drawingml/2006/diagram" xmlns:o="urn:schemas-microsoft-com:office:office" xmlns:v="urn:schemas-microsoft-com:vml" xmlns:pvml="urn:schemas-microsoft-com:office:powerpoint" xmlns:com="http://schemas.openxmlformats.org/drawingml/2006/compatibility" xmlns:p14="http://schemas.microsoft.com/office/powerpoint/2010/main">
+  <p:cSld>
+    <p:spTree>
+      <p:nvGrpSpPr>
+        <p:cNvPr id="155" name="Shape 155"/>
+        <p:cNvGrpSpPr/>
+        <p:nvPr/>
+      </p:nvGrpSpPr>
+      <p:grpSpPr>
+        <a:xfrm>
+          <a:off x="0" y="0"/>
+          <a:ext cx="0" cy="0"/>
+          <a:chOff x="0" y="0"/>
+          <a:chExt cx="0" cy="0"/>
+        </a:xfrm>
+      </p:grpSpPr>
+      <p:sp>
+        <p:nvSpPr>
+          <p:cNvPr id="156" name="Shape 156"/>
+          <p:cNvSpPr txBox="1"/>
+          <p:nvPr>
+            <p:ph type="title"/>
+          </p:nvPr>
+        </p:nvSpPr>
+        <p:spPr>
+          <a:xfrm>
+            <a:off x="387900" y="458025"/>
+            <a:ext cx="8368200" cy="686099"/>
+          </a:xfrm>
+          <a:prstGeom prst="rect">
+            <a:avLst/>
+          </a:prstGeom>
+        </p:spPr>
+        <p:txBody>
+          <a:bodyPr anchorCtr="0" anchor="b" bIns="91425" lIns="91425" rIns="91425" tIns="91425">
+            <a:noAutofit/>
+          </a:bodyPr>
+          <a:lstStyle/>
+          <a:p>
+            <a:pPr lvl="0" rtl="0">
+              <a:spcBef>
+                <a:spcPts val="0"/>
+              </a:spcBef>
+              <a:buNone/>
+            </a:pPr>
+            <a:r>
+              <a:rPr lang="en"/>
+              <a:t>What we learned throughout the process</a:t>
+            </a:r>
+          </a:p>
+        </p:txBody>
+      </p:sp>
+      <p:sp>
+        <p:nvSpPr>
+          <p:cNvPr id="157" name="Shape 157"/>
+          <p:cNvSpPr txBox="1"/>
+          <p:nvPr>
+            <p:ph idx="1" type="body"/>
+          </p:nvPr>
+        </p:nvSpPr>
+        <p:spPr>
+          <a:xfrm>
+            <a:off x="387900" y="1489824"/>
+            <a:ext cx="8368200" cy="3078899"/>
+          </a:xfrm>
+          <a:prstGeom prst="rect">
+            <a:avLst/>
+          </a:prstGeom>
+        </p:spPr>
+        <p:txBody>
+          <a:bodyPr anchorCtr="0" anchor="t" bIns="91425" lIns="91425" rIns="91425" tIns="91425">
+            <a:noAutofit/>
+          </a:bodyPr>
+          <a:lstStyle/>
+          <a:p>
+            <a:pPr indent="-381000" lvl="0" marL="457200" rtl="0">
+              <a:spcBef>
+                <a:spcPts val="0"/>
+              </a:spcBef>
+              <a:buSzPct val="100000"/>
+              <a:buAutoNum type="arabicPeriod"/>
+            </a:pPr>
+            <a:r>
+              <a:rPr lang="en" sz="2400"/>
+              <a:t>Deliverable #4 (25 Test Cases) </a:t>
+            </a:r>
+          </a:p>
+          <a:p>
+            <a:pPr indent="-342900" lvl="1" marL="914400" rtl="0">
+              <a:spcBef>
+                <a:spcPts val="0"/>
+              </a:spcBef>
+              <a:buSzPct val="100000"/>
+              <a:buAutoNum type="alphaLcPeriod"/>
+            </a:pPr>
+            <a:r>
+              <a:rPr lang="en" sz="1800"/>
+              <a:t>Had to expand framework to handle more than just string in -&gt; string out methods</a:t>
+            </a:r>
+          </a:p>
+          <a:p>
+            <a:pPr indent="-342900" lvl="1" marL="914400" rtl="0">
+              <a:spcBef>
+                <a:spcPts val="0"/>
+              </a:spcBef>
+              <a:buSzPct val="100000"/>
+              <a:buAutoNum type="alphaLcPeriod"/>
+            </a:pPr>
+            <a:r>
+              <a:rPr lang="en" sz="1800"/>
+              <a:t>Determining conventions for how to handle:</a:t>
+            </a:r>
+          </a:p>
+          <a:p>
+            <a:pPr indent="-342900" lvl="2" marL="1371600" rtl="0">
+              <a:spcBef>
+                <a:spcPts val="0"/>
+              </a:spcBef>
+              <a:buSzPct val="100000"/>
+              <a:buAutoNum type="romanLcPeriod"/>
+            </a:pPr>
+            <a:r>
+              <a:rPr lang="en" sz="1800"/>
+              <a:t>Multiple inputs</a:t>
+            </a:r>
+          </a:p>
+          <a:p>
+            <a:pPr indent="-342900" lvl="2" marL="1371600" rtl="0">
+              <a:spcBef>
+                <a:spcPts val="0"/>
+              </a:spcBef>
+              <a:buSzPct val="100000"/>
+              <a:buAutoNum type="romanLcPeriod"/>
+            </a:pPr>
+            <a:r>
+              <a:rPr lang="en" sz="1800"/>
+              <a:t>Different input data types</a:t>
+            </a:r>
+          </a:p>
+          <a:p>
+            <a:pPr indent="-342900" lvl="1" marL="914400" rtl="0">
+              <a:spcBef>
+                <a:spcPts val="0"/>
+              </a:spcBef>
+              <a:buSzPct val="100000"/>
+              <a:buAutoNum type="alphaLcPeriod"/>
+            </a:pPr>
+            <a:r>
+              <a:rPr lang="en" sz="1800"/>
+              <a:t>About ~ files in ubuntu</a:t>
+            </a:r>
+          </a:p>
+        </p:txBody>
+      </p:sp>
+    </p:spTree>
+  </p:cSld>
+  <p:clrMapOvr>
+    <a:masterClrMapping/>
+  </p:clrMapOvr>
+  <p:transition spd="slow">
+    <p:cut/>
+  </p:transition>
+</p:sld>
+</file>
+
+<file path=ppt/slides/slide16.xml><?xml version="1.0" encoding="utf-8"?>
+<p:sld xmlns:a="http://schemas.openxmlformats.org/drawingml/2006/main" xmlns:r="http://schemas.openxmlformats.org/officeDocument/2006/relationships" xmlns:mc="http://schemas.openxmlformats.org/markup-compatibility/2006" xmlns:mv="urn:schemas-microsoft-com:mac:vml" xmlns:p="http://schemas.openxmlformats.org/presentationml/2006/main" xmlns:c="http://schemas.openxmlformats.org/drawingml/2006/chart" xmlns:dgm="http://schemas.openxmlformats.org/drawingml/2006/diagram" xmlns:o="urn:schemas-microsoft-com:office:office" xmlns:v="urn:schemas-microsoft-com:vml" xmlns:pvml="urn:schemas-microsoft-com:office:powerpoint" xmlns:com="http://schemas.openxmlformats.org/drawingml/2006/compatibility" xmlns:p14="http://schemas.microsoft.com/office/powerpoint/2010/main">
+  <p:cSld>
+    <p:spTree>
+      <p:nvGrpSpPr>
+        <p:cNvPr id="161" name="Shape 161"/>
+        <p:cNvGrpSpPr/>
+        <p:nvPr/>
+      </p:nvGrpSpPr>
+      <p:grpSpPr>
+        <a:xfrm>
+          <a:off x="0" y="0"/>
+          <a:ext cx="0" cy="0"/>
+          <a:chOff x="0" y="0"/>
+          <a:chExt cx="0" cy="0"/>
+        </a:xfrm>
+      </p:grpSpPr>
+      <p:sp>
+        <p:nvSpPr>
+          <p:cNvPr id="162" name="Shape 162"/>
+          <p:cNvSpPr txBox="1"/>
+          <p:nvPr>
+            <p:ph type="title"/>
+          </p:nvPr>
+        </p:nvSpPr>
+        <p:spPr>
+          <a:xfrm>
+            <a:off x="387900" y="458025"/>
+            <a:ext cx="8368200" cy="686099"/>
+          </a:xfrm>
+          <a:prstGeom prst="rect">
+            <a:avLst/>
+          </a:prstGeom>
+        </p:spPr>
+        <p:txBody>
+          <a:bodyPr anchorCtr="0" anchor="b" bIns="91425" lIns="91425" rIns="91425" tIns="91425">
+            <a:noAutofit/>
+          </a:bodyPr>
+          <a:lstStyle/>
+          <a:p>
+            <a:pPr lvl="0" rtl="0">
+              <a:spcBef>
+                <a:spcPts val="0"/>
+              </a:spcBef>
+              <a:buNone/>
+            </a:pPr>
+            <a:r>
+              <a:rPr lang="en"/>
+              <a:t>What we learned throughout the process</a:t>
+            </a:r>
+          </a:p>
+        </p:txBody>
+      </p:sp>
+      <p:sp>
+        <p:nvSpPr>
+          <p:cNvPr id="163" name="Shape 163"/>
+          <p:cNvSpPr txBox="1"/>
+          <p:nvPr>
+            <p:ph idx="1" type="body"/>
+          </p:nvPr>
+        </p:nvSpPr>
+        <p:spPr>
+          <a:xfrm>
+            <a:off x="387900" y="1489824"/>
+            <a:ext cx="8368200" cy="3078899"/>
+          </a:xfrm>
+          <a:prstGeom prst="rect">
+            <a:avLst/>
+          </a:prstGeom>
+        </p:spPr>
+        <p:txBody>
+          <a:bodyPr anchorCtr="0" anchor="t" bIns="91425" lIns="91425" rIns="91425" tIns="91425">
+            <a:noAutofit/>
+          </a:bodyPr>
+          <a:lstStyle/>
+          <a:p>
+            <a:pPr indent="-381000" lvl="0" marL="457200" rtl="0">
+              <a:spcBef>
+                <a:spcPts val="0"/>
+              </a:spcBef>
+              <a:buSzPct val="100000"/>
+              <a:buAutoNum type="arabicPeriod"/>
+            </a:pPr>
+            <a:r>
+              <a:rPr lang="en" sz="2400"/>
+              <a:t>Deliverable #5 (Fault Injection) </a:t>
+            </a:r>
+          </a:p>
+          <a:p>
+            <a:pPr indent="-342900" lvl="1" marL="914400" rtl="0">
+              <a:spcBef>
+                <a:spcPts val="0"/>
+              </a:spcBef>
+              <a:buSzPct val="100000"/>
+              <a:buAutoNum type="alphaLcPeriod"/>
+            </a:pPr>
+            <a:r>
+              <a:rPr lang="en" sz="1800"/>
+              <a:t>About the python import search path</a:t>
+            </a:r>
+          </a:p>
+          <a:p>
+            <a:pPr indent="-342900" lvl="2" marL="1371600" rtl="0">
+              <a:spcBef>
+                <a:spcPts val="0"/>
+              </a:spcBef>
+              <a:buSzPct val="100000"/>
+              <a:buAutoNum type="romanLcPeriod"/>
+            </a:pPr>
+            <a:r>
+              <a:rPr lang="en" sz="1800"/>
+              <a:t>How to tell python where to look for modules being imported</a:t>
+            </a:r>
+          </a:p>
+        </p:txBody>
+      </p:sp>
+    </p:spTree>
+  </p:cSld>
+  <p:clrMapOvr>
+    <a:masterClrMapping/>
+  </p:clrMapOvr>
+  <p:transition spd="slow">
+    <p:cut/>
+  </p:transition>
+</p:sld>
+</file>
+
+<file path=ppt/slides/slide17.xml><?xml version="1.0" encoding="utf-8"?>
+<p:sld xmlns:a="http://schemas.openxmlformats.org/drawingml/2006/main" xmlns:r="http://schemas.openxmlformats.org/officeDocument/2006/relationships" xmlns:mc="http://schemas.openxmlformats.org/markup-compatibility/2006" xmlns:mv="urn:schemas-microsoft-com:mac:vml" xmlns:p="http://schemas.openxmlformats.org/presentationml/2006/main" xmlns:c="http://schemas.openxmlformats.org/drawingml/2006/chart" xmlns:dgm="http://schemas.openxmlformats.org/drawingml/2006/diagram" xmlns:o="urn:schemas-microsoft-com:office:office" xmlns:v="urn:schemas-microsoft-com:vml" xmlns:pvml="urn:schemas-microsoft-com:office:powerpoint" xmlns:com="http://schemas.openxmlformats.org/drawingml/2006/compatibility" xmlns:p14="http://schemas.microsoft.com/office/powerpoint/2010/main">
+  <p:cSld>
+    <p:spTree>
+      <p:nvGrpSpPr>
+        <p:cNvPr id="167" name="Shape 167"/>
+        <p:cNvGrpSpPr/>
+        <p:nvPr/>
+      </p:nvGrpSpPr>
+      <p:grpSpPr>
+        <a:xfrm>
+          <a:off x="0" y="0"/>
+          <a:ext cx="0" cy="0"/>
+          <a:chOff x="0" y="0"/>
+          <a:chExt cx="0" cy="0"/>
+        </a:xfrm>
+      </p:grpSpPr>
+      <p:sp>
+        <p:nvSpPr>
+          <p:cNvPr id="168" name="Shape 168"/>
+          <p:cNvSpPr txBox="1"/>
+          <p:nvPr>
+            <p:ph type="title"/>
+          </p:nvPr>
+        </p:nvSpPr>
+        <p:spPr>
+          <a:xfrm>
+            <a:off x="387900" y="458025"/>
+            <a:ext cx="8368200" cy="686099"/>
+          </a:xfrm>
+          <a:prstGeom prst="rect">
+            <a:avLst/>
+          </a:prstGeom>
+        </p:spPr>
+        <p:txBody>
+          <a:bodyPr anchorCtr="0" anchor="b" bIns="91425" lIns="91425" rIns="91425" tIns="91425">
+            <a:noAutofit/>
+          </a:bodyPr>
+          <a:lstStyle/>
+          <a:p>
+            <a:pPr lvl="0" rtl="0">
+              <a:spcBef>
+                <a:spcPts val="0"/>
+              </a:spcBef>
+              <a:buNone/>
+            </a:pPr>
+            <a:r>
+              <a:rPr lang="en"/>
+              <a:t>What we would change</a:t>
+            </a:r>
+          </a:p>
+        </p:txBody>
+      </p:sp>
+      <p:sp>
+        <p:nvSpPr>
+          <p:cNvPr id="169" name="Shape 169"/>
+          <p:cNvSpPr txBox="1"/>
+          <p:nvPr>
+            <p:ph idx="1" type="body"/>
+          </p:nvPr>
+        </p:nvSpPr>
+        <p:spPr>
+          <a:xfrm>
+            <a:off x="387900" y="1489824"/>
+            <a:ext cx="8368200" cy="3078899"/>
+          </a:xfrm>
+          <a:prstGeom prst="rect">
+            <a:avLst/>
+          </a:prstGeom>
+        </p:spPr>
+        <p:txBody>
+          <a:bodyPr anchorCtr="0" anchor="t" bIns="91425" lIns="91425" rIns="91425" tIns="91425">
+            <a:noAutofit/>
+          </a:bodyPr>
+          <a:lstStyle/>
+          <a:p>
+            <a:pPr marR="0" rtl="0" algn="l">
+              <a:lnSpc>
+                <a:spcPct val="115000"/>
+              </a:lnSpc>
+              <a:spcBef>
+                <a:spcPts val="0"/>
+              </a:spcBef>
+              <a:spcAft>
+                <a:spcPts val="1600"/>
+              </a:spcAft>
+              <a:buNone/>
+            </a:pPr>
+            <a:r>
+              <a:rPr lang="en"/>
+              <a:t>Given more time:</a:t>
+            </a:r>
+          </a:p>
+          <a:p>
+            <a:pPr indent="-228600" lvl="0" marL="457200" marR="0" rtl="0" algn="l">
+              <a:lnSpc>
+                <a:spcPct val="115000"/>
+              </a:lnSpc>
+              <a:spcBef>
+                <a:spcPts val="0"/>
+              </a:spcBef>
+              <a:spcAft>
+                <a:spcPts val="1600"/>
+              </a:spcAft>
+            </a:pPr>
+            <a:r>
+              <a:rPr lang="en"/>
+              <a:t>Extend functionality to be able to test not just python functions, but class level methods</a:t>
+            </a:r>
+          </a:p>
+          <a:p>
+            <a:pPr indent="-228600" lvl="0" marL="457200" marR="0" rtl="0" algn="l">
+              <a:lnSpc>
+                <a:spcPct val="115000"/>
+              </a:lnSpc>
+              <a:spcBef>
+                <a:spcPts val="0"/>
+              </a:spcBef>
+              <a:spcAft>
+                <a:spcPts val="1600"/>
+              </a:spcAft>
+            </a:pPr>
+            <a:r>
+              <a:rPr lang="en"/>
+              <a:t>Extend functionality to be able to handle different types of inputs/outputs ( tuples, lists, mock objects etc.)</a:t>
+            </a:r>
+          </a:p>
+          <a:p>
+            <a:pPr indent="-228600" lvl="0" marL="457200" marR="0" rtl="0" algn="l">
+              <a:lnSpc>
+                <a:spcPct val="115000"/>
+              </a:lnSpc>
+              <a:spcBef>
+                <a:spcPts val="0"/>
+              </a:spcBef>
+              <a:spcAft>
+                <a:spcPts val="1600"/>
+              </a:spcAft>
+            </a:pPr>
+            <a:r>
+              <a:rPr lang="en"/>
+              <a:t>Add flexibility to root directory location of test codebase (right now user has to explicitly state filepath)</a:t>
+            </a:r>
+          </a:p>
+          <a:p>
+            <a:pPr indent="-228600" lvl="0" marL="457200" marR="0" rtl="0" algn="l">
+              <a:lnSpc>
+                <a:spcPct val="115000"/>
+              </a:lnSpc>
+              <a:spcBef>
+                <a:spcPts val="0"/>
+              </a:spcBef>
+              <a:spcAft>
+                <a:spcPts val="1600"/>
+              </a:spcAft>
+            </a:pPr>
+            <a:r>
+              <a:rPr lang="en"/>
+              <a:t>Execute the test cases sequentially to avoid storing multiple test cases in memory simultaneously </a:t>
+            </a:r>
+          </a:p>
+        </p:txBody>
+      </p:sp>
+    </p:spTree>
+  </p:cSld>
+  <p:clrMapOvr>
+    <a:masterClrMapping/>
+  </p:clrMapOvr>
+  <p:transition spd="slow">
+    <p:cut/>
+  </p:transition>
+</p:sld>
+</file>
+
+<file path=ppt/slides/slide18.xml><?xml version="1.0" encoding="utf-8"?>
+<p:sld xmlns:a="http://schemas.openxmlformats.org/drawingml/2006/main" xmlns:r="http://schemas.openxmlformats.org/officeDocument/2006/relationships" xmlns:mc="http://schemas.openxmlformats.org/markup-compatibility/2006" xmlns:mv="urn:schemas-microsoft-com:mac:vml" xmlns:p="http://schemas.openxmlformats.org/presentationml/2006/main" xmlns:c="http://schemas.openxmlformats.org/drawingml/2006/chart" xmlns:dgm="http://schemas.openxmlformats.org/drawingml/2006/diagram" xmlns:o="urn:schemas-microsoft-com:office:office" xmlns:v="urn:schemas-microsoft-com:vml" xmlns:pvml="urn:schemas-microsoft-com:office:powerpoint" xmlns:com="http://schemas.openxmlformats.org/drawingml/2006/compatibility" xmlns:p14="http://schemas.microsoft.com/office/powerpoint/2010/main">
+  <p:cSld>
+    <p:spTree>
+      <p:nvGrpSpPr>
+        <p:cNvPr id="173" name="Shape 173"/>
+        <p:cNvGrpSpPr/>
+        <p:nvPr/>
+      </p:nvGrpSpPr>
+      <p:grpSpPr>
+        <a:xfrm>
+          <a:off x="0" y="0"/>
+          <a:ext cx="0" cy="0"/>
+          <a:chOff x="0" y="0"/>
+          <a:chExt cx="0" cy="0"/>
+        </a:xfrm>
+      </p:grpSpPr>
+      <p:sp>
+        <p:nvSpPr>
+          <p:cNvPr id="174" name="Shape 174"/>
+          <p:cNvSpPr txBox="1"/>
+          <p:nvPr>
+            <p:ph type="title"/>
+          </p:nvPr>
+        </p:nvSpPr>
+        <p:spPr>
+          <a:xfrm>
+            <a:off x="387900" y="458025"/>
+            <a:ext cx="8368200" cy="686099"/>
+          </a:xfrm>
+          <a:prstGeom prst="rect">
+            <a:avLst/>
+          </a:prstGeom>
+        </p:spPr>
+        <p:txBody>
+          <a:bodyPr anchorCtr="0" anchor="b" bIns="91425" lIns="91425" rIns="91425" tIns="91425">
+            <a:noAutofit/>
+          </a:bodyPr>
+          <a:lstStyle/>
+          <a:p>
             <a:pPr>
               <a:spcBef>
                 <a:spcPts val="0"/>
@@ -6559,7 +7579,7 @@
       </p:sp>
       <p:sp>
         <p:nvSpPr>
-          <p:cNvPr id="145" name="Shape 145"/>
+          <p:cNvPr id="175" name="Shape 175"/>
           <p:cNvSpPr txBox="1"/>
           <p:nvPr>
             <p:ph idx="1" type="body"/>
@@ -7765,7 +8785,7 @@
             </a:pPr>
             <a:r>
               <a:rPr lang="en"/>
-              <a:t>What we learned throughout the process</a:t>
+              <a:t>Sample Results</a:t>
             </a:r>
           </a:p>
         </p:txBody>
@@ -7793,59 +8813,47 @@
           </a:bodyPr>
           <a:lstStyle/>
           <a:p>
-            <a:pPr indent="-381000" lvl="0" marL="457200" rtl="0">
-              <a:spcBef>
-                <a:spcPts val="0"/>
-              </a:spcBef>
-              <a:buSzPct val="100000"/>
-              <a:buAutoNum type="arabicPeriod"/>
-            </a:pPr>
-            <a:r>
-              <a:rPr lang="en" sz="2400"/>
-              <a:t>Deliverable #1 (Build and Test)</a:t>
-            </a:r>
-          </a:p>
-          <a:p>
-            <a:pPr indent="-342900" lvl="1" marL="914400" rtl="0">
-              <a:spcBef>
-                <a:spcPts val="0"/>
-              </a:spcBef>
-              <a:buSzPct val="100000"/>
-              <a:buAutoNum type="alphaLcPeriod"/>
-            </a:pPr>
-            <a:r>
-              <a:rPr lang="en" sz="1800"/>
-              <a:t>How to install ubuntu on a virtual machine.</a:t>
-            </a:r>
-          </a:p>
-          <a:p>
-            <a:pPr indent="-342900" lvl="1" marL="914400" rtl="0">
-              <a:spcBef>
-                <a:spcPts val="0"/>
-              </a:spcBef>
-              <a:buSzPct val="100000"/>
-              <a:buAutoNum type="alphaLcPeriod"/>
-            </a:pPr>
-            <a:r>
-              <a:rPr lang="en" sz="1800"/>
-              <a:t>How to download and build an open source framework.</a:t>
-            </a:r>
-          </a:p>
-          <a:p>
-            <a:pPr indent="-342900" lvl="1" marL="914400" rtl="0">
-              <a:spcBef>
-                <a:spcPts val="0"/>
-              </a:spcBef>
-              <a:buSzPct val="100000"/>
-              <a:buAutoNum type="alphaLcPeriod"/>
-            </a:pPr>
-            <a:r>
-              <a:rPr lang="en" sz="1800"/>
-              <a:t>Mercurial version control</a:t>
-            </a:r>
+            <a:pPr lvl="0" rtl="0">
+              <a:spcBef>
+                <a:spcPts val="0"/>
+              </a:spcBef>
+              <a:buNone/>
+            </a:pPr>
+            <a:r>
+              <a:t/>
+            </a:r>
+            <a:endParaRPr/>
           </a:p>
         </p:txBody>
       </p:sp>
+      <p:pic>
+        <p:nvPicPr>
+          <p:cNvPr id="116" name="Shape 116"/>
+          <p:cNvPicPr preferRelativeResize="0"/>
+          <p:nvPr/>
+        </p:nvPicPr>
+        <p:blipFill>
+          <a:blip r:embed="rId3">
+            <a:alphaModFix/>
+          </a:blip>
+          <a:stretch>
+            <a:fillRect/>
+          </a:stretch>
+        </p:blipFill>
+        <p:spPr>
+          <a:xfrm>
+            <a:off x="465137" y="1274111"/>
+            <a:ext cx="8213725" cy="3510326"/>
+          </a:xfrm>
+          <a:prstGeom prst="rect">
+            <a:avLst/>
+          </a:prstGeom>
+          <a:noFill/>
+          <a:ln>
+            <a:noFill/>
+          </a:ln>
+        </p:spPr>
+      </p:pic>
     </p:spTree>
   </p:cSld>
   <p:clrMapOvr>
@@ -7858,6 +8866,285 @@
 </file>
 
 <file path=ppt/theme/theme1.xml><?xml version="1.0" encoding="utf-8"?>
+<a:theme xmlns:a="http://schemas.openxmlformats.org/drawingml/2006/main" xmlns:r="http://schemas.openxmlformats.org/officeDocument/2006/relationships" name="marina">
+  <a:themeElements>
+    <a:clrScheme name="Marina">
+      <a:dk1>
+        <a:srgbClr val="FFFFFF"/>
+      </a:dk1>
+      <a:lt1>
+        <a:srgbClr val="00517C"/>
+      </a:lt1>
+      <a:dk2>
+        <a:srgbClr val="004065"/>
+      </a:dk2>
+      <a:lt2>
+        <a:srgbClr val="CFD8DC"/>
+      </a:lt2>
+      <a:accent1>
+        <a:srgbClr val="0277BD"/>
+      </a:accent1>
+      <a:accent2>
+        <a:srgbClr val="558B2F"/>
+      </a:accent2>
+      <a:accent3>
+        <a:srgbClr val="009688"/>
+      </a:accent3>
+      <a:accent4>
+        <a:srgbClr val="039BE5"/>
+      </a:accent4>
+      <a:accent5>
+        <a:srgbClr val="8BC34A"/>
+      </a:accent5>
+      <a:accent6>
+        <a:srgbClr val="FFEB38"/>
+      </a:accent6>
+      <a:hlink>
+        <a:srgbClr val="8BC34A"/>
+      </a:hlink>
+      <a:folHlink>
+        <a:srgbClr val="8BC34A"/>
+      </a:folHlink>
+    </a:clrScheme>
+    <a:fontScheme name="Office">
+      <a:majorFont>
+        <a:latin typeface="Arial"/>
+        <a:ea typeface=""/>
+        <a:cs typeface=""/>
+        <a:font script="Jpan" typeface="ＭＳ Ｐゴシック"/>
+        <a:font script="Hang" typeface="맑은 고딕"/>
+        <a:font script="Hans" typeface="宋体"/>
+        <a:font script="Hant" typeface="新細明體"/>
+        <a:font script="Arab" typeface="Times New Roman"/>
+        <a:font script="Hebr" typeface="Times New Roman"/>
+        <a:font script="Thai" typeface="Angsana New"/>
+        <a:font script="Ethi" typeface="Nyala"/>
+        <a:font script="Beng" typeface="Vrinda"/>
+        <a:font script="Gujr" typeface="Shruti"/>
+        <a:font script="Khmr" typeface="MoolBoran"/>
+        <a:font script="Knda" typeface="Tunga"/>
+        <a:font script="Guru" typeface="Raavi"/>
+        <a:font script="Cans" typeface="Euphemia"/>
+        <a:font script="Cher" typeface="Plantagenet Cherokee"/>
+        <a:font script="Yiii" typeface="Microsoft Yi Baiti"/>
+        <a:font script="Tibt" typeface="Microsoft Himalaya"/>
+        <a:font script="Thaa" typeface="MV Boli"/>
+        <a:font script="Deva" typeface="Mangal"/>
+        <a:font script="Telu" typeface="Gautami"/>
+        <a:font script="Taml" typeface="Latha"/>
+        <a:font script="Syrc" typeface="Estrangelo Edessa"/>
+        <a:font script="Orya" typeface="Kalinga"/>
+        <a:font script="Mlym" typeface="Kartika"/>
+        <a:font script="Laoo" typeface="DokChampa"/>
+        <a:font script="Sinh" typeface="Iskoola Pota"/>
+        <a:font script="Mong" typeface="Mongolian Baiti"/>
+        <a:font script="Viet" typeface="Times New Roman"/>
+        <a:font script="Uigh" typeface="Microsoft Uighur"/>
+        <a:font script="Geor" typeface="Sylfaen"/>
+      </a:majorFont>
+      <a:minorFont>
+        <a:latin typeface="Arial"/>
+        <a:ea typeface=""/>
+        <a:cs typeface=""/>
+        <a:font script="Jpan" typeface="ＭＳ Ｐゴシック"/>
+        <a:font script="Hang" typeface="맑은 고딕"/>
+        <a:font script="Hans" typeface="宋体"/>
+        <a:font script="Hant" typeface="新細明體"/>
+        <a:font script="Arab" typeface="Arial"/>
+        <a:font script="Hebr" typeface="Arial"/>
+        <a:font script="Thai" typeface="Cordia New"/>
+        <a:font script="Ethi" typeface="Nyala"/>
+        <a:font script="Beng" typeface="Vrinda"/>
+        <a:font script="Gujr" typeface="Shruti"/>
+        <a:font script="Khmr" typeface="DaunPenh"/>
+        <a:font script="Knda" typeface="Tunga"/>
+        <a:font script="Guru" typeface="Raavi"/>
+        <a:font script="Cans" typeface="Euphemia"/>
+        <a:font script="Cher" typeface="Plantagenet Cherokee"/>
+        <a:font script="Yiii" typeface="Microsoft Yi Baiti"/>
+        <a:font script="Tibt" typeface="Microsoft Himalaya"/>
+        <a:font script="Thaa" typeface="MV Boli"/>
+        <a:font script="Deva" typeface="Mangal"/>
+        <a:font script="Telu" typeface="Gautami"/>
+        <a:font script="Taml" typeface="Latha"/>
+        <a:font script="Syrc" typeface="Estrangelo Edessa"/>
+        <a:font script="Orya" typeface="Kalinga"/>
+        <a:font script="Mlym" typeface="Kartika"/>
+        <a:font script="Laoo" typeface="DokChampa"/>
+        <a:font script="Sinh" typeface="Iskoola Pota"/>
+        <a:font script="Mong" typeface="Mongolian Baiti"/>
+        <a:font script="Viet" typeface="Arial"/>
+        <a:font script="Uigh" typeface="Microsoft Uighur"/>
+        <a:font script="Geor" typeface="Sylfaen"/>
+      </a:minorFont>
+    </a:fontScheme>
+    <a:fmtScheme name="Office">
+      <a:fillStyleLst>
+        <a:solidFill>
+          <a:schemeClr val="phClr"/>
+        </a:solidFill>
+        <a:gradFill rotWithShape="1">
+          <a:gsLst>
+            <a:gs pos="0">
+              <a:schemeClr val="phClr">
+                <a:tint val="50000"/>
+                <a:satMod val="300000"/>
+              </a:schemeClr>
+            </a:gs>
+            <a:gs pos="35000">
+              <a:schemeClr val="phClr">
+                <a:tint val="37000"/>
+                <a:satMod val="300000"/>
+              </a:schemeClr>
+            </a:gs>
+            <a:gs pos="100000">
+              <a:schemeClr val="phClr">
+                <a:tint val="15000"/>
+                <a:satMod val="350000"/>
+              </a:schemeClr>
+            </a:gs>
+          </a:gsLst>
+          <a:lin ang="16200000" scaled="1"/>
+        </a:gradFill>
+        <a:gradFill rotWithShape="1">
+          <a:gsLst>
+            <a:gs pos="0">
+              <a:schemeClr val="phClr">
+                <a:tint val="100000"/>
+                <a:shade val="100000"/>
+                <a:satMod val="130000"/>
+              </a:schemeClr>
+            </a:gs>
+            <a:gs pos="100000">
+              <a:schemeClr val="phClr">
+                <a:tint val="50000"/>
+                <a:shade val="100000"/>
+                <a:satMod val="350000"/>
+              </a:schemeClr>
+            </a:gs>
+          </a:gsLst>
+          <a:lin ang="16200000" scaled="0"/>
+        </a:gradFill>
+      </a:fillStyleLst>
+      <a:lnStyleLst>
+        <a:ln w="9525" cap="flat" cmpd="sng" algn="ctr">
+          <a:solidFill>
+            <a:schemeClr val="phClr">
+              <a:shade val="95000"/>
+              <a:satMod val="105000"/>
+            </a:schemeClr>
+          </a:solidFill>
+          <a:prstDash val="solid"/>
+        </a:ln>
+        <a:ln w="25400" cap="flat" cmpd="sng" algn="ctr">
+          <a:solidFill>
+            <a:schemeClr val="phClr"/>
+          </a:solidFill>
+          <a:prstDash val="solid"/>
+        </a:ln>
+        <a:ln w="38100" cap="flat" cmpd="sng" algn="ctr">
+          <a:solidFill>
+            <a:schemeClr val="phClr"/>
+          </a:solidFill>
+          <a:prstDash val="solid"/>
+        </a:ln>
+      </a:lnStyleLst>
+      <a:effectStyleLst>
+        <a:effectStyle>
+          <a:effectLst>
+            <a:outerShdw blurRad="40000" dist="20000" dir="5400000" rotWithShape="0">
+              <a:srgbClr val="000000">
+                <a:alpha val="38000"/>
+              </a:srgbClr>
+            </a:outerShdw>
+          </a:effectLst>
+        </a:effectStyle>
+        <a:effectStyle>
+          <a:effectLst>
+            <a:outerShdw blurRad="40000" dist="23000" dir="5400000" rotWithShape="0">
+              <a:srgbClr val="000000">
+                <a:alpha val="35000"/>
+              </a:srgbClr>
+            </a:outerShdw>
+          </a:effectLst>
+        </a:effectStyle>
+        <a:effectStyle>
+          <a:effectLst>
+            <a:outerShdw blurRad="40000" dist="23000" dir="5400000" rotWithShape="0">
+              <a:srgbClr val="000000">
+                <a:alpha val="35000"/>
+              </a:srgbClr>
+            </a:outerShdw>
+          </a:effectLst>
+          <a:scene3d>
+            <a:camera prst="orthographicFront">
+              <a:rot lat="0" lon="0" rev="0"/>
+            </a:camera>
+            <a:lightRig rig="threePt" dir="t">
+              <a:rot lat="0" lon="0" rev="1200000"/>
+            </a:lightRig>
+          </a:scene3d>
+          <a:sp3d>
+            <a:bevelT w="63500" h="25400"/>
+          </a:sp3d>
+        </a:effectStyle>
+      </a:effectStyleLst>
+      <a:bgFillStyleLst>
+        <a:solidFill>
+          <a:schemeClr val="phClr"/>
+        </a:solidFill>
+        <a:gradFill rotWithShape="1">
+          <a:gsLst>
+            <a:gs pos="0">
+              <a:schemeClr val="phClr">
+                <a:tint val="40000"/>
+                <a:satMod val="350000"/>
+              </a:schemeClr>
+            </a:gs>
+            <a:gs pos="40000">
+              <a:schemeClr val="phClr">
+                <a:tint val="45000"/>
+                <a:shade val="99000"/>
+                <a:satMod val="350000"/>
+              </a:schemeClr>
+            </a:gs>
+            <a:gs pos="100000">
+              <a:schemeClr val="phClr">
+                <a:shade val="20000"/>
+                <a:satMod val="255000"/>
+              </a:schemeClr>
+            </a:gs>
+          </a:gsLst>
+          <a:path path="circle">
+            <a:fillToRect l="50000" t="-80000" r="50000" b="180000"/>
+          </a:path>
+        </a:gradFill>
+        <a:gradFill rotWithShape="1">
+          <a:gsLst>
+            <a:gs pos="0">
+              <a:schemeClr val="phClr">
+                <a:tint val="80000"/>
+                <a:satMod val="300000"/>
+              </a:schemeClr>
+            </a:gs>
+            <a:gs pos="100000">
+              <a:schemeClr val="phClr">
+                <a:shade val="30000"/>
+                <a:satMod val="200000"/>
+              </a:schemeClr>
+            </a:gs>
+          </a:gsLst>
+          <a:path path="circle">
+            <a:fillToRect l="50000" t="50000" r="50000" b="50000"/>
+          </a:path>
+        </a:gradFill>
+      </a:bgFillStyleLst>
+    </a:fmtScheme>
+  </a:themeElements>
+</a:theme>
+</file>
+
+<file path=ppt/theme/theme2.xml><?xml version="1.0" encoding="utf-8"?>
 <a:theme xmlns:a="http://schemas.openxmlformats.org/drawingml/2006/main" xmlns:r="http://schemas.openxmlformats.org/officeDocument/2006/relationships" name="Custom Theme">
   <a:themeElements>
     <a:clrScheme name="Default">
@@ -8134,283 +9421,4 @@
     </a:fmtScheme>
   </a:themeElements>
 </a:theme>
-</file>
-
-<file path=ppt/theme/theme2.xml><?xml version="1.0" encoding="utf-8"?>
-<a:theme xmlns:a="http://schemas.openxmlformats.org/drawingml/2006/main" xmlns:r="http://schemas.openxmlformats.org/officeDocument/2006/relationships" name="marina">
-  <a:themeElements>
-    <a:clrScheme name="Marina">
-      <a:dk1>
-        <a:srgbClr val="FFFFFF"/>
-      </a:dk1>
-      <a:lt1>
-        <a:srgbClr val="00517C"/>
-      </a:lt1>
-      <a:dk2>
-        <a:srgbClr val="004065"/>
-      </a:dk2>
-      <a:lt2>
-        <a:srgbClr val="CFD8DC"/>
-      </a:lt2>
-      <a:accent1>
-        <a:srgbClr val="0277BD"/>
-      </a:accent1>
-      <a:accent2>
-        <a:srgbClr val="558B2F"/>
-      </a:accent2>
-      <a:accent3>
-        <a:srgbClr val="009688"/>
-      </a:accent3>
-      <a:accent4>
-        <a:srgbClr val="039BE5"/>
-      </a:accent4>
-      <a:accent5>
-        <a:srgbClr val="8BC34A"/>
-      </a:accent5>
-      <a:accent6>
-        <a:srgbClr val="FFEB38"/>
-      </a:accent6>
-      <a:hlink>
-        <a:srgbClr val="8BC34A"/>
-      </a:hlink>
-      <a:folHlink>
-        <a:srgbClr val="8BC34A"/>
-      </a:folHlink>
-    </a:clrScheme>
-    <a:fontScheme name="Office">
-      <a:majorFont>
-        <a:latin typeface="Arial"/>
-        <a:ea typeface=""/>
-        <a:cs typeface=""/>
-        <a:font script="Jpan" typeface="ＭＳ Ｐゴシック"/>
-        <a:font script="Hang" typeface="맑은 고딕"/>
-        <a:font script="Hans" typeface="宋体"/>
-        <a:font script="Hant" typeface="新細明體"/>
-        <a:font script="Arab" typeface="Times New Roman"/>
-        <a:font script="Hebr" typeface="Times New Roman"/>
-        <a:font script="Thai" typeface="Angsana New"/>
-        <a:font script="Ethi" typeface="Nyala"/>
-        <a:font script="Beng" typeface="Vrinda"/>
-        <a:font script="Gujr" typeface="Shruti"/>
-        <a:font script="Khmr" typeface="MoolBoran"/>
-        <a:font script="Knda" typeface="Tunga"/>
-        <a:font script="Guru" typeface="Raavi"/>
-        <a:font script="Cans" typeface="Euphemia"/>
-        <a:font script="Cher" typeface="Plantagenet Cherokee"/>
-        <a:font script="Yiii" typeface="Microsoft Yi Baiti"/>
-        <a:font script="Tibt" typeface="Microsoft Himalaya"/>
-        <a:font script="Thaa" typeface="MV Boli"/>
-        <a:font script="Deva" typeface="Mangal"/>
-        <a:font script="Telu" typeface="Gautami"/>
-        <a:font script="Taml" typeface="Latha"/>
-        <a:font script="Syrc" typeface="Estrangelo Edessa"/>
-        <a:font script="Orya" typeface="Kalinga"/>
-        <a:font script="Mlym" typeface="Kartika"/>
-        <a:font script="Laoo" typeface="DokChampa"/>
-        <a:font script="Sinh" typeface="Iskoola Pota"/>
-        <a:font script="Mong" typeface="Mongolian Baiti"/>
-        <a:font script="Viet" typeface="Times New Roman"/>
-        <a:font script="Uigh" typeface="Microsoft Uighur"/>
-        <a:font script="Geor" typeface="Sylfaen"/>
-      </a:majorFont>
-      <a:minorFont>
-        <a:latin typeface="Arial"/>
-        <a:ea typeface=""/>
-        <a:cs typeface=""/>
-        <a:font script="Jpan" typeface="ＭＳ Ｐゴシック"/>
-        <a:font script="Hang" typeface="맑은 고딕"/>
-        <a:font script="Hans" typeface="宋体"/>
-        <a:font script="Hant" typeface="新細明體"/>
-        <a:font script="Arab" typeface="Arial"/>
-        <a:font script="Hebr" typeface="Arial"/>
-        <a:font script="Thai" typeface="Cordia New"/>
-        <a:font script="Ethi" typeface="Nyala"/>
-        <a:font script="Beng" typeface="Vrinda"/>
-        <a:font script="Gujr" typeface="Shruti"/>
-        <a:font script="Khmr" typeface="DaunPenh"/>
-        <a:font script="Knda" typeface="Tunga"/>
-        <a:font script="Guru" typeface="Raavi"/>
-        <a:font script="Cans" typeface="Euphemia"/>
-        <a:font script="Cher" typeface="Plantagenet Cherokee"/>
-        <a:font script="Yiii" typeface="Microsoft Yi Baiti"/>
-        <a:font script="Tibt" typeface="Microsoft Himalaya"/>
-        <a:font script="Thaa" typeface="MV Boli"/>
-        <a:font script="Deva" typeface="Mangal"/>
-        <a:font script="Telu" typeface="Gautami"/>
-        <a:font script="Taml" typeface="Latha"/>
-        <a:font script="Syrc" typeface="Estrangelo Edessa"/>
-        <a:font script="Orya" typeface="Kalinga"/>
-        <a:font script="Mlym" typeface="Kartika"/>
-        <a:font script="Laoo" typeface="DokChampa"/>
-        <a:font script="Sinh" typeface="Iskoola Pota"/>
-        <a:font script="Mong" typeface="Mongolian Baiti"/>
-        <a:font script="Viet" typeface="Arial"/>
-        <a:font script="Uigh" typeface="Microsoft Uighur"/>
-        <a:font script="Geor" typeface="Sylfaen"/>
-      </a:minorFont>
-    </a:fontScheme>
-    <a:fmtScheme name="Office">
-      <a:fillStyleLst>
-        <a:solidFill>
-          <a:schemeClr val="phClr"/>
-        </a:solidFill>
-        <a:gradFill rotWithShape="1">
-          <a:gsLst>
-            <a:gs pos="0">
-              <a:schemeClr val="phClr">
-                <a:tint val="50000"/>
-                <a:satMod val="300000"/>
-              </a:schemeClr>
-            </a:gs>
-            <a:gs pos="35000">
-              <a:schemeClr val="phClr">
-                <a:tint val="37000"/>
-                <a:satMod val="300000"/>
-              </a:schemeClr>
-            </a:gs>
-            <a:gs pos="100000">
-              <a:schemeClr val="phClr">
-                <a:tint val="15000"/>
-                <a:satMod val="350000"/>
-              </a:schemeClr>
-            </a:gs>
-          </a:gsLst>
-          <a:lin ang="16200000" scaled="1"/>
-        </a:gradFill>
-        <a:gradFill rotWithShape="1">
-          <a:gsLst>
-            <a:gs pos="0">
-              <a:schemeClr val="phClr">
-                <a:tint val="100000"/>
-                <a:shade val="100000"/>
-                <a:satMod val="130000"/>
-              </a:schemeClr>
-            </a:gs>
-            <a:gs pos="100000">
-              <a:schemeClr val="phClr">
-                <a:tint val="50000"/>
-                <a:shade val="100000"/>
-                <a:satMod val="350000"/>
-              </a:schemeClr>
-            </a:gs>
-          </a:gsLst>
-          <a:lin ang="16200000" scaled="0"/>
-        </a:gradFill>
-      </a:fillStyleLst>
-      <a:lnStyleLst>
-        <a:ln w="9525" cap="flat" cmpd="sng" algn="ctr">
-          <a:solidFill>
-            <a:schemeClr val="phClr">
-              <a:shade val="95000"/>
-              <a:satMod val="105000"/>
-            </a:schemeClr>
-          </a:solidFill>
-          <a:prstDash val="solid"/>
-        </a:ln>
-        <a:ln w="25400" cap="flat" cmpd="sng" algn="ctr">
-          <a:solidFill>
-            <a:schemeClr val="phClr"/>
-          </a:solidFill>
-          <a:prstDash val="solid"/>
-        </a:ln>
-        <a:ln w="38100" cap="flat" cmpd="sng" algn="ctr">
-          <a:solidFill>
-            <a:schemeClr val="phClr"/>
-          </a:solidFill>
-          <a:prstDash val="solid"/>
-        </a:ln>
-      </a:lnStyleLst>
-      <a:effectStyleLst>
-        <a:effectStyle>
-          <a:effectLst>
-            <a:outerShdw blurRad="40000" dist="20000" dir="5400000" rotWithShape="0">
-              <a:srgbClr val="000000">
-                <a:alpha val="38000"/>
-              </a:srgbClr>
-            </a:outerShdw>
-          </a:effectLst>
-        </a:effectStyle>
-        <a:effectStyle>
-          <a:effectLst>
-            <a:outerShdw blurRad="40000" dist="23000" dir="5400000" rotWithShape="0">
-              <a:srgbClr val="000000">
-                <a:alpha val="35000"/>
-              </a:srgbClr>
-            </a:outerShdw>
-          </a:effectLst>
-        </a:effectStyle>
-        <a:effectStyle>
-          <a:effectLst>
-            <a:outerShdw blurRad="40000" dist="23000" dir="5400000" rotWithShape="0">
-              <a:srgbClr val="000000">
-                <a:alpha val="35000"/>
-              </a:srgbClr>
-            </a:outerShdw>
-          </a:effectLst>
-          <a:scene3d>
-            <a:camera prst="orthographicFront">
-              <a:rot lat="0" lon="0" rev="0"/>
-            </a:camera>
-            <a:lightRig rig="threePt" dir="t">
-              <a:rot lat="0" lon="0" rev="1200000"/>
-            </a:lightRig>
-          </a:scene3d>
-          <a:sp3d>
-            <a:bevelT w="63500" h="25400"/>
-          </a:sp3d>
-        </a:effectStyle>
-      </a:effectStyleLst>
-      <a:bgFillStyleLst>
-        <a:solidFill>
-          <a:schemeClr val="phClr"/>
-        </a:solidFill>
-        <a:gradFill rotWithShape="1">
-          <a:gsLst>
-            <a:gs pos="0">
-              <a:schemeClr val="phClr">
-                <a:tint val="40000"/>
-                <a:satMod val="350000"/>
-              </a:schemeClr>
-            </a:gs>
-            <a:gs pos="40000">
-              <a:schemeClr val="phClr">
-                <a:tint val="45000"/>
-                <a:shade val="99000"/>
-                <a:satMod val="350000"/>
-              </a:schemeClr>
-            </a:gs>
-            <a:gs pos="100000">
-              <a:schemeClr val="phClr">
-                <a:shade val="20000"/>
-                <a:satMod val="255000"/>
-              </a:schemeClr>
-            </a:gs>
-          </a:gsLst>
-          <a:path path="circle">
-            <a:fillToRect l="50000" t="-80000" r="50000" b="180000"/>
-          </a:path>
-        </a:gradFill>
-        <a:gradFill rotWithShape="1">
-          <a:gsLst>
-            <a:gs pos="0">
-              <a:schemeClr val="phClr">
-                <a:tint val="80000"/>
-                <a:satMod val="300000"/>
-              </a:schemeClr>
-            </a:gs>
-            <a:gs pos="100000">
-              <a:schemeClr val="phClr">
-                <a:shade val="30000"/>
-                <a:satMod val="200000"/>
-              </a:schemeClr>
-            </a:gs>
-          </a:gsLst>
-          <a:path path="circle">
-            <a:fillToRect l="50000" t="50000" r="50000" b="50000"/>
-          </a:path>
-        </a:gradFill>
-      </a:bgFillStyleLst>
-    </a:fmtScheme>
-  </a:themeElements>
-</a:theme>
 </file>